--- a/reference_material/slides/012_Errors.pptx
+++ b/reference_material/slides/012_Errors.pptx
@@ -5,13 +5,15 @@
     <p:sldMasterId id="2147483660" r:id="rId1"/>
   </p:sldMasterIdLst>
   <p:sldIdLst>
-    <p:sldId id="256" r:id="rId2"/>
-    <p:sldId id="257" r:id="rId3"/>
-    <p:sldId id="258" r:id="rId4"/>
-    <p:sldId id="259" r:id="rId5"/>
-    <p:sldId id="260" r:id="rId6"/>
-    <p:sldId id="262" r:id="rId7"/>
-    <p:sldId id="261" r:id="rId8"/>
+    <p:sldId id="263" r:id="rId2"/>
+    <p:sldId id="256" r:id="rId3"/>
+    <p:sldId id="257" r:id="rId4"/>
+    <p:sldId id="258" r:id="rId5"/>
+    <p:sldId id="264" r:id="rId6"/>
+    <p:sldId id="259" r:id="rId7"/>
+    <p:sldId id="260" r:id="rId8"/>
+    <p:sldId id="262" r:id="rId9"/>
+    <p:sldId id="261" r:id="rId10"/>
   </p:sldIdLst>
   <p:sldSz cx="12192000" cy="6858000"/>
   <p:notesSz cx="6858000" cy="9144000"/>
@@ -110,6 +112,11 @@
       </a:defRPr>
     </a:lvl9pPr>
   </p:defaultTextStyle>
+  <p:extLst>
+    <p:ext uri="{EFAFB233-063F-42B5-8137-9DF3F51BA10A}">
+      <p15:sldGuideLst xmlns:p15="http://schemas.microsoft.com/office/powerpoint/2012/main"/>
+    </p:ext>
+  </p:extLst>
 </p:presentation>
 </file>
 
@@ -252,7 +259,7 @@
           <a:p>
             <a:fld id="{1F89F9F6-FB88-AB4E-BC2D-28DEF802BDFE}" type="datetimeFigureOut">
               <a:rPr lang="en-US" smtClean="0"/>
-              <a:t>6/1/22</a:t>
+              <a:t>10/14/22</a:t>
             </a:fld>
             <a:endParaRPr lang="en-US"/>
           </a:p>
@@ -463,7 +470,7 @@
           <a:p>
             <a:fld id="{1F89F9F6-FB88-AB4E-BC2D-28DEF802BDFE}" type="datetimeFigureOut">
               <a:rPr lang="en-US" smtClean="0"/>
-              <a:t>6/1/22</a:t>
+              <a:t>10/14/22</a:t>
             </a:fld>
             <a:endParaRPr lang="en-US"/>
           </a:p>
@@ -678,7 +685,7 @@
           <a:p>
             <a:fld id="{1F89F9F6-FB88-AB4E-BC2D-28DEF802BDFE}" type="datetimeFigureOut">
               <a:rPr lang="en-US" smtClean="0"/>
-              <a:t>6/1/22</a:t>
+              <a:t>10/14/22</a:t>
             </a:fld>
             <a:endParaRPr lang="en-US"/>
           </a:p>
@@ -879,7 +886,7 @@
           <a:p>
             <a:fld id="{1F89F9F6-FB88-AB4E-BC2D-28DEF802BDFE}" type="datetimeFigureOut">
               <a:rPr lang="en-US" smtClean="0"/>
-              <a:t>6/1/22</a:t>
+              <a:t>10/14/22</a:t>
             </a:fld>
             <a:endParaRPr lang="en-US"/>
           </a:p>
@@ -1158,7 +1165,7 @@
           <a:p>
             <a:fld id="{1F89F9F6-FB88-AB4E-BC2D-28DEF802BDFE}" type="datetimeFigureOut">
               <a:rPr lang="en-US" smtClean="0"/>
-              <a:t>6/1/22</a:t>
+              <a:t>10/14/22</a:t>
             </a:fld>
             <a:endParaRPr lang="en-US"/>
           </a:p>
@@ -1426,7 +1433,7 @@
           <a:p>
             <a:fld id="{1F89F9F6-FB88-AB4E-BC2D-28DEF802BDFE}" type="datetimeFigureOut">
               <a:rPr lang="en-US" smtClean="0"/>
-              <a:t>6/1/22</a:t>
+              <a:t>10/14/22</a:t>
             </a:fld>
             <a:endParaRPr lang="en-US"/>
           </a:p>
@@ -1842,7 +1849,7 @@
           <a:p>
             <a:fld id="{1F89F9F6-FB88-AB4E-BC2D-28DEF802BDFE}" type="datetimeFigureOut">
               <a:rPr lang="en-US" smtClean="0"/>
-              <a:t>6/1/22</a:t>
+              <a:t>10/14/22</a:t>
             </a:fld>
             <a:endParaRPr lang="en-US"/>
           </a:p>
@@ -1991,7 +1998,7 @@
           <a:p>
             <a:fld id="{1F89F9F6-FB88-AB4E-BC2D-28DEF802BDFE}" type="datetimeFigureOut">
               <a:rPr lang="en-US" smtClean="0"/>
-              <a:t>6/1/22</a:t>
+              <a:t>10/14/22</a:t>
             </a:fld>
             <a:endParaRPr lang="en-US"/>
           </a:p>
@@ -2117,7 +2124,7 @@
           <a:p>
             <a:fld id="{1F89F9F6-FB88-AB4E-BC2D-28DEF802BDFE}" type="datetimeFigureOut">
               <a:rPr lang="en-US" smtClean="0"/>
-              <a:t>6/1/22</a:t>
+              <a:t>10/14/22</a:t>
             </a:fld>
             <a:endParaRPr lang="en-US"/>
           </a:p>
@@ -2368,7 +2375,7 @@
           <a:p>
             <a:fld id="{1F89F9F6-FB88-AB4E-BC2D-28DEF802BDFE}" type="datetimeFigureOut">
               <a:rPr lang="en-US" smtClean="0"/>
-              <a:t>6/1/22</a:t>
+              <a:t>10/14/22</a:t>
             </a:fld>
             <a:endParaRPr lang="en-US"/>
           </a:p>
@@ -2813,7 +2820,7 @@
           <a:p>
             <a:fld id="{1F89F9F6-FB88-AB4E-BC2D-28DEF802BDFE}" type="datetimeFigureOut">
               <a:rPr lang="en-US" smtClean="0"/>
-              <a:t>6/1/22</a:t>
+              <a:t>10/14/22</a:t>
             </a:fld>
             <a:endParaRPr lang="en-US"/>
           </a:p>
@@ -3140,7 +3147,7 @@
           <a:p>
             <a:fld id="{1F89F9F6-FB88-AB4E-BC2D-28DEF802BDFE}" type="datetimeFigureOut">
               <a:rPr lang="en-US" smtClean="0"/>
-              <a:t>6/1/22</a:t>
+              <a:t>10/14/22</a:t>
             </a:fld>
             <a:endParaRPr lang="en-US"/>
           </a:p>
@@ -3631,7 +3638,7 @@
           <p:cNvPr id="2" name="Title 1">
             <a:extLst>
               <a:ext uri="{FF2B5EF4-FFF2-40B4-BE49-F238E27FC236}">
-                <a16:creationId xmlns:a16="http://schemas.microsoft.com/office/drawing/2014/main" id="{3E306A6D-B04D-DFFC-21B2-BD44396FA49F}"/>
+                <a16:creationId xmlns:a16="http://schemas.microsoft.com/office/drawing/2014/main" id="{2EF6593C-6A8F-1480-2F7D-4415B047C469}"/>
               </a:ext>
             </a:extLst>
           </p:cNvPr>
@@ -3639,7 +3646,7 @@
             <a:spLocks noGrp="1"/>
           </p:cNvSpPr>
           <p:nvPr>
-            <p:ph type="ctrTitle"/>
+            <p:ph type="title"/>
           </p:nvPr>
         </p:nvSpPr>
         <p:spPr/>
@@ -3649,17 +3656,17 @@
           <a:p>
             <a:r>
               <a:rPr lang="en-US" dirty="0"/>
-              <a:t>Errors</a:t>
-            </a:r>
-          </a:p>
-        </p:txBody>
-      </p:sp>
-      <p:sp>
-        <p:nvSpPr>
-          <p:cNvPr id="3" name="Subtitle 2">
+              <a:t>Keeping of House</a:t>
+            </a:r>
+          </a:p>
+        </p:txBody>
+      </p:sp>
+      <p:sp>
+        <p:nvSpPr>
+          <p:cNvPr id="3" name="Content Placeholder 2">
             <a:extLst>
               <a:ext uri="{FF2B5EF4-FFF2-40B4-BE49-F238E27FC236}">
-                <a16:creationId xmlns:a16="http://schemas.microsoft.com/office/drawing/2014/main" id="{55636125-717A-D5AD-1708-CB7F24EC715A}"/>
+                <a16:creationId xmlns:a16="http://schemas.microsoft.com/office/drawing/2014/main" id="{29A6A1EE-F364-4D13-BBCF-78A5D360319A}"/>
               </a:ext>
             </a:extLst>
           </p:cNvPr>
@@ -3667,22 +3674,77 @@
             <a:spLocks noGrp="1"/>
           </p:cNvSpPr>
           <p:nvPr>
-            <p:ph type="subTitle" idx="1"/>
-          </p:nvPr>
-        </p:nvSpPr>
-        <p:spPr/>
-        <p:txBody>
-          <a:bodyPr/>
-          <a:lstStyle/>
-          <a:p>
-            <a:endParaRPr lang="en-US"/>
+            <p:ph idx="1"/>
+          </p:nvPr>
+        </p:nvSpPr>
+        <p:spPr>
+          <a:xfrm>
+            <a:off x="1451579" y="2015732"/>
+            <a:ext cx="9603275" cy="4162044"/>
+          </a:xfrm>
+        </p:spPr>
+        <p:txBody>
+          <a:bodyPr/>
+          <a:lstStyle/>
+          <a:p>
+            <a:r>
+              <a:rPr lang="en-US" dirty="0"/>
+              <a:t>Quiz:</a:t>
+            </a:r>
+          </a:p>
+          <a:p>
+            <a:pPr lvl="1"/>
+            <a:r>
+              <a:rPr lang="en-US" dirty="0"/>
+              <a:t>Corrections made for my mistakes, should be reflected in the grade now. </a:t>
+            </a:r>
+          </a:p>
+          <a:p>
+            <a:pPr lvl="1"/>
+            <a:r>
+              <a:rPr lang="en-US" dirty="0"/>
+              <a:t>I updated the percentage ones to give %50 marks for percent vs decimal. </a:t>
+            </a:r>
+          </a:p>
+          <a:p>
+            <a:r>
+              <a:rPr lang="en-US" dirty="0"/>
+              <a:t>Test:</a:t>
+            </a:r>
+          </a:p>
+          <a:p>
+            <a:pPr lvl="1"/>
+            <a:r>
+              <a:rPr lang="en-US" dirty="0"/>
+              <a:t>Guide on Moodle. </a:t>
+            </a:r>
+          </a:p>
+          <a:p>
+            <a:pPr lvl="1"/>
+            <a:r>
+              <a:rPr lang="en-US" dirty="0"/>
+              <a:t>Theory, no calculations. </a:t>
+            </a:r>
+          </a:p>
+          <a:p>
+            <a:r>
+              <a:rPr lang="en-US" dirty="0"/>
+              <a:t>Today:</a:t>
+            </a:r>
+          </a:p>
+          <a:p>
+            <a:pPr lvl="1"/>
+            <a:r>
+              <a:rPr lang="en-US" dirty="0"/>
+              <a:t>Error</a:t>
+            </a:r>
           </a:p>
         </p:txBody>
       </p:sp>
     </p:spTree>
     <p:extLst>
       <p:ext uri="{BB962C8B-B14F-4D97-AF65-F5344CB8AC3E}">
-        <p14:creationId xmlns:p14="http://schemas.microsoft.com/office/powerpoint/2010/main" val="2329615472"/>
+        <p14:creationId xmlns:p14="http://schemas.microsoft.com/office/powerpoint/2010/main" val="4261501127"/>
       </p:ext>
     </p:extLst>
   </p:cSld>
@@ -3714,7 +3776,7 @@
           <p:cNvPr id="2" name="Title 1">
             <a:extLst>
               <a:ext uri="{FF2B5EF4-FFF2-40B4-BE49-F238E27FC236}">
-                <a16:creationId xmlns:a16="http://schemas.microsoft.com/office/drawing/2014/main" id="{482C6352-913A-80C4-CF7E-B8EC17246DCA}"/>
+                <a16:creationId xmlns:a16="http://schemas.microsoft.com/office/drawing/2014/main" id="{3E306A6D-B04D-DFFC-21B2-BD44396FA49F}"/>
               </a:ext>
             </a:extLst>
           </p:cNvPr>
@@ -3722,7 +3784,7 @@
             <a:spLocks noGrp="1"/>
           </p:cNvSpPr>
           <p:nvPr>
-            <p:ph type="title"/>
+            <p:ph type="ctrTitle"/>
           </p:nvPr>
         </p:nvSpPr>
         <p:spPr/>
@@ -3739,10 +3801,10 @@
       </p:sp>
       <p:sp>
         <p:nvSpPr>
-          <p:cNvPr id="3" name="Content Placeholder 2">
+          <p:cNvPr id="3" name="Subtitle 2">
             <a:extLst>
               <a:ext uri="{FF2B5EF4-FFF2-40B4-BE49-F238E27FC236}">
-                <a16:creationId xmlns:a16="http://schemas.microsoft.com/office/drawing/2014/main" id="{95389208-C1D8-D820-95A6-46333A5231BD}"/>
+                <a16:creationId xmlns:a16="http://schemas.microsoft.com/office/drawing/2014/main" id="{55636125-717A-D5AD-1708-CB7F24EC715A}"/>
               </a:ext>
             </a:extLst>
           </p:cNvPr>
@@ -3750,72 +3812,22 @@
             <a:spLocks noGrp="1"/>
           </p:cNvSpPr>
           <p:nvPr>
-            <p:ph idx="1"/>
-          </p:nvPr>
-        </p:nvSpPr>
-        <p:spPr>
-          <a:xfrm>
-            <a:off x="1451579" y="2015732"/>
-            <a:ext cx="9603275" cy="4037749"/>
-          </a:xfrm>
-        </p:spPr>
-        <p:txBody>
-          <a:bodyPr/>
-          <a:lstStyle/>
-          <a:p>
-            <a:r>
-              <a:rPr lang="en-US" dirty="0"/>
-              <a:t>When matching empirical data to analytical distributions our match is never perfect. </a:t>
-            </a:r>
-          </a:p>
-          <a:p>
-            <a:r>
-              <a:rPr lang="en-US" dirty="0"/>
-              <a:t>Each point is “off” the analytical distribution by some amount. </a:t>
-            </a:r>
-          </a:p>
-          <a:p>
-            <a:r>
-              <a:rPr lang="en-US" dirty="0"/>
-              <a:t>The less the total amount of “off” is, the more closely matched the distribution. </a:t>
-            </a:r>
-          </a:p>
-          <a:p>
-            <a:endParaRPr lang="en-US" dirty="0"/>
-          </a:p>
-          <a:p>
-            <a:r>
-              <a:rPr lang="en-US" dirty="0"/>
-              <a:t>Predictions work the same way:</a:t>
-            </a:r>
-          </a:p>
-          <a:p>
-            <a:pPr lvl="1"/>
-            <a:r>
-              <a:rPr lang="en-US" dirty="0"/>
-              <a:t>Predict what a value should be. </a:t>
-            </a:r>
-          </a:p>
-          <a:p>
-            <a:pPr lvl="1"/>
-            <a:r>
-              <a:rPr lang="en-US" dirty="0"/>
-              <a:t>Measure our error.</a:t>
-            </a:r>
-          </a:p>
-          <a:p>
-            <a:pPr lvl="1"/>
-            <a:r>
-              <a:rPr lang="en-US" dirty="0"/>
-              <a:t>Summarize these errors to estimate overall accuracy. </a:t>
-            </a:r>
+            <p:ph type="subTitle" idx="1"/>
+          </p:nvPr>
+        </p:nvSpPr>
+        <p:spPr/>
+        <p:txBody>
+          <a:bodyPr/>
+          <a:lstStyle/>
+          <a:p>
+            <a:endParaRPr lang="en-US"/>
           </a:p>
         </p:txBody>
       </p:sp>
     </p:spTree>
     <p:extLst>
       <p:ext uri="{BB962C8B-B14F-4D97-AF65-F5344CB8AC3E}">
-        <p14:creationId xmlns:p14="http://schemas.microsoft.com/office/powerpoint/2010/main" val="3134869059"/>
+        <p14:creationId xmlns:p14="http://schemas.microsoft.com/office/powerpoint/2010/main" val="2329615472"/>
       </p:ext>
     </p:extLst>
   </p:cSld>
@@ -3847,7 +3859,7 @@
           <p:cNvPr id="2" name="Title 1">
             <a:extLst>
               <a:ext uri="{FF2B5EF4-FFF2-40B4-BE49-F238E27FC236}">
-                <a16:creationId xmlns:a16="http://schemas.microsoft.com/office/drawing/2014/main" id="{26EF6B96-4AC2-5366-6E64-4FCABD653C4B}"/>
+                <a16:creationId xmlns:a16="http://schemas.microsoft.com/office/drawing/2014/main" id="{482C6352-913A-80C4-CF7E-B8EC17246DCA}"/>
               </a:ext>
             </a:extLst>
           </p:cNvPr>
@@ -3865,7 +3877,7 @@
           <a:p>
             <a:r>
               <a:rPr lang="en-US" dirty="0"/>
-              <a:t>Residuals</a:t>
+              <a:t>Errors</a:t>
             </a:r>
           </a:p>
         </p:txBody>
@@ -3875,7 +3887,7 @@
           <p:cNvPr id="3" name="Content Placeholder 2">
             <a:extLst>
               <a:ext uri="{FF2B5EF4-FFF2-40B4-BE49-F238E27FC236}">
-                <a16:creationId xmlns:a16="http://schemas.microsoft.com/office/drawing/2014/main" id="{5F735C24-FC39-2D6E-5A15-E5DC7C3D6B7D}"/>
+                <a16:creationId xmlns:a16="http://schemas.microsoft.com/office/drawing/2014/main" id="{95389208-C1D8-D820-95A6-46333A5231BD}"/>
               </a:ext>
             </a:extLst>
           </p:cNvPr>
@@ -3886,14 +3898,61 @@
             <p:ph idx="1"/>
           </p:nvPr>
         </p:nvSpPr>
-        <p:spPr/>
-        <p:txBody>
-          <a:bodyPr/>
-          <a:lstStyle/>
-          <a:p>
-            <a:r>
-              <a:rPr lang="en-US" dirty="0"/>
-              <a:t>A residual is how much one prediction is off from reality. </a:t>
+        <p:spPr>
+          <a:xfrm>
+            <a:off x="1451579" y="2015732"/>
+            <a:ext cx="9603275" cy="4037749"/>
+          </a:xfrm>
+        </p:spPr>
+        <p:txBody>
+          <a:bodyPr/>
+          <a:lstStyle/>
+          <a:p>
+            <a:r>
+              <a:rPr lang="en-US" dirty="0"/>
+              <a:t>When matching empirical data to analytical distributions our match is never perfect. </a:t>
+            </a:r>
+          </a:p>
+          <a:p>
+            <a:r>
+              <a:rPr lang="en-US" dirty="0"/>
+              <a:t>Each point is “off” the analytical distribution by some amount. </a:t>
+            </a:r>
+          </a:p>
+          <a:p>
+            <a:r>
+              <a:rPr lang="en-US" dirty="0"/>
+              <a:t>The less the total amount of “off” is, the more closely matched the distribution. </a:t>
+            </a:r>
+          </a:p>
+          <a:p>
+            <a:endParaRPr lang="en-US" dirty="0"/>
+          </a:p>
+          <a:p>
+            <a:r>
+              <a:rPr lang="en-US" dirty="0"/>
+              <a:t>Predictions work the same way:</a:t>
+            </a:r>
+          </a:p>
+          <a:p>
+            <a:pPr lvl="1"/>
+            <a:r>
+              <a:rPr lang="en-US" dirty="0"/>
+              <a:t>Predict what a value should be. </a:t>
+            </a:r>
+          </a:p>
+          <a:p>
+            <a:pPr lvl="1"/>
+            <a:r>
+              <a:rPr lang="en-US" dirty="0"/>
+              <a:t>Measure our error.</a:t>
+            </a:r>
+          </a:p>
+          <a:p>
+            <a:pPr lvl="1"/>
+            <a:r>
+              <a:rPr lang="en-US" dirty="0"/>
+              <a:t>Summarize these errors to estimate overall accuracy. </a:t>
             </a:r>
           </a:p>
         </p:txBody>
@@ -3901,7 +3960,7 @@
     </p:spTree>
     <p:extLst>
       <p:ext uri="{BB962C8B-B14F-4D97-AF65-F5344CB8AC3E}">
-        <p14:creationId xmlns:p14="http://schemas.microsoft.com/office/powerpoint/2010/main" val="3811981501"/>
+        <p14:creationId xmlns:p14="http://schemas.microsoft.com/office/powerpoint/2010/main" val="3134869059"/>
       </p:ext>
     </p:extLst>
   </p:cSld>
@@ -3933,7 +3992,7 @@
           <p:cNvPr id="2" name="Title 1">
             <a:extLst>
               <a:ext uri="{FF2B5EF4-FFF2-40B4-BE49-F238E27FC236}">
-                <a16:creationId xmlns:a16="http://schemas.microsoft.com/office/drawing/2014/main" id="{387B9AE9-C7BA-7C94-52F0-B3F727BF728E}"/>
+                <a16:creationId xmlns:a16="http://schemas.microsoft.com/office/drawing/2014/main" id="{26EF6B96-4AC2-5366-6E64-4FCABD653C4B}"/>
               </a:ext>
             </a:extLst>
           </p:cNvPr>
@@ -3951,7 +4010,7 @@
           <a:p>
             <a:r>
               <a:rPr lang="en-US" dirty="0"/>
-              <a:t>Summarization of Errors</a:t>
+              <a:t>Residuals</a:t>
             </a:r>
           </a:p>
         </p:txBody>
@@ -3961,7 +4020,7 @@
           <p:cNvPr id="3" name="Content Placeholder 2">
             <a:extLst>
               <a:ext uri="{FF2B5EF4-FFF2-40B4-BE49-F238E27FC236}">
-                <a16:creationId xmlns:a16="http://schemas.microsoft.com/office/drawing/2014/main" id="{3436DCAA-7675-6826-7BFF-726EC4BF5418}"/>
+                <a16:creationId xmlns:a16="http://schemas.microsoft.com/office/drawing/2014/main" id="{5F735C24-FC39-2D6E-5A15-E5DC7C3D6B7D}"/>
               </a:ext>
             </a:extLst>
           </p:cNvPr>
@@ -3972,61 +4031,90 @@
             <p:ph idx="1"/>
           </p:nvPr>
         </p:nvSpPr>
-        <p:spPr/>
-        <p:txBody>
-          <a:bodyPr/>
-          <a:lstStyle/>
-          <a:p>
-            <a:r>
-              <a:rPr lang="en-US" dirty="0"/>
-              <a:t>When dealing with many points, a list of residuals is impractical. </a:t>
-            </a:r>
-          </a:p>
-          <a:p>
-            <a:r>
-              <a:rPr lang="en-US" dirty="0"/>
-              <a:t>We can summarize residuals into one measure of error. </a:t>
-            </a:r>
-          </a:p>
-          <a:p>
-            <a:r>
-              <a:rPr lang="en-US" dirty="0"/>
-              <a:t>There are several ways to summarize error, e.g.</a:t>
+        <p:spPr>
+          <a:xfrm>
+            <a:off x="111513" y="2015732"/>
+            <a:ext cx="4761570" cy="4037749"/>
+          </a:xfrm>
+        </p:spPr>
+        <p:txBody>
+          <a:bodyPr/>
+          <a:lstStyle/>
+          <a:p>
+            <a:r>
+              <a:rPr lang="en-US" dirty="0"/>
+              <a:t>A residual is how much one prediction is off from reality. </a:t>
+            </a:r>
+          </a:p>
+          <a:p>
+            <a:r>
+              <a:rPr lang="en-US" dirty="0"/>
+              <a:t>Each point in our data has its own residual – how “off” was the model vs that real value. </a:t>
             </a:r>
           </a:p>
           <a:p>
             <a:pPr lvl="1"/>
             <a:r>
               <a:rPr lang="en-US" dirty="0"/>
-              <a:t>MSE – Mean squared error. Square residuals and average them.</a:t>
-            </a:r>
-          </a:p>
-          <a:p>
-            <a:pPr lvl="1"/>
-            <a:r>
-              <a:rPr lang="en-US" dirty="0"/>
-              <a:t>RMSE – Root mean squared error. Take the square root of MSE. </a:t>
-            </a:r>
-          </a:p>
-          <a:p>
-            <a:pPr lvl="1"/>
-            <a:r>
-              <a:rPr lang="en-US" dirty="0"/>
-              <a:t>MAE – Mean absolute error. Average the absolute values of the residuals. </a:t>
-            </a:r>
-          </a:p>
-          <a:p>
-            <a:r>
-              <a:rPr lang="en-US" dirty="0"/>
-              <a:t>RMSE is the most common error measure for us. </a:t>
-            </a:r>
-          </a:p>
-        </p:txBody>
-      </p:sp>
+              <a:t>Subtract one from the other. </a:t>
+            </a:r>
+          </a:p>
+          <a:p>
+            <a:r>
+              <a:rPr lang="en-US" dirty="0"/>
+              <a:t>Here – </a:t>
+            </a:r>
+            <a:r>
+              <a:rPr lang="en-US" dirty="0" err="1"/>
+              <a:t>LoBF</a:t>
+            </a:r>
+            <a:r>
+              <a:rPr lang="en-US" dirty="0"/>
+              <a:t> is a prediction. </a:t>
+            </a:r>
+          </a:p>
+          <a:p>
+            <a:r>
+              <a:rPr lang="en-US" dirty="0"/>
+              <a:t>Next – Analytical model is a prediction. </a:t>
+            </a:r>
+          </a:p>
+        </p:txBody>
+      </p:sp>
+      <p:pic>
+        <p:nvPicPr>
+          <p:cNvPr id="4" name="Picture 3">
+            <a:extLst>
+              <a:ext uri="{FF2B5EF4-FFF2-40B4-BE49-F238E27FC236}">
+                <a16:creationId xmlns:a16="http://schemas.microsoft.com/office/drawing/2014/main" id="{D38F8C1F-A22D-924B-1803-6143A067A40C}"/>
+              </a:ext>
+            </a:extLst>
+          </p:cNvPr>
+          <p:cNvPicPr>
+            <a:picLocks noChangeAspect="1"/>
+          </p:cNvPicPr>
+          <p:nvPr/>
+        </p:nvPicPr>
+        <p:blipFill>
+          <a:blip r:embed="rId2"/>
+          <a:stretch>
+            <a:fillRect/>
+          </a:stretch>
+        </p:blipFill>
+        <p:spPr>
+          <a:xfrm>
+            <a:off x="4999492" y="1853754"/>
+            <a:ext cx="7140571" cy="4848129"/>
+          </a:xfrm>
+          <a:prstGeom prst="rect">
+            <a:avLst/>
+          </a:prstGeom>
+        </p:spPr>
+      </p:pic>
     </p:spTree>
     <p:extLst>
       <p:ext uri="{BB962C8B-B14F-4D97-AF65-F5344CB8AC3E}">
-        <p14:creationId xmlns:p14="http://schemas.microsoft.com/office/powerpoint/2010/main" val="3737122044"/>
+        <p14:creationId xmlns:p14="http://schemas.microsoft.com/office/powerpoint/2010/main" val="3811981501"/>
       </p:ext>
     </p:extLst>
   </p:cSld>
@@ -4058,7 +4146,7 @@
           <p:cNvPr id="2" name="Title 1">
             <a:extLst>
               <a:ext uri="{FF2B5EF4-FFF2-40B4-BE49-F238E27FC236}">
-                <a16:creationId xmlns:a16="http://schemas.microsoft.com/office/drawing/2014/main" id="{E9356086-BE05-B01B-10A4-6D1976445E25}"/>
+                <a16:creationId xmlns:a16="http://schemas.microsoft.com/office/drawing/2014/main" id="{D9EE0CC7-13E3-E839-CD79-3E2C824204A1}"/>
               </a:ext>
             </a:extLst>
           </p:cNvPr>
@@ -4074,10 +4162,7 @@
           <a:bodyPr/>
           <a:lstStyle/>
           <a:p>
-            <a:r>
-              <a:rPr lang="en-US" dirty="0"/>
-              <a:t>Why Squared?</a:t>
-            </a:r>
+            <a:endParaRPr lang="en-US"/>
           </a:p>
         </p:txBody>
       </p:sp>
@@ -4086,7 +4171,7 @@
           <p:cNvPr id="3" name="Content Placeholder 2">
             <a:extLst>
               <a:ext uri="{FF2B5EF4-FFF2-40B4-BE49-F238E27FC236}">
-                <a16:creationId xmlns:a16="http://schemas.microsoft.com/office/drawing/2014/main" id="{BC34DD8C-2FBC-A875-6B61-74B2788B9CD3}"/>
+                <a16:creationId xmlns:a16="http://schemas.microsoft.com/office/drawing/2014/main" id="{E018A355-9E85-BB63-D825-EB997BE32FE4}"/>
               </a:ext>
             </a:extLst>
           </p:cNvPr>
@@ -4097,72 +4182,49 @@
             <p:ph idx="1"/>
           </p:nvPr>
         </p:nvSpPr>
+        <p:spPr/>
+        <p:txBody>
+          <a:bodyPr/>
+          <a:lstStyle/>
+          <a:p>
+            <a:endParaRPr lang="en-US"/>
+          </a:p>
+        </p:txBody>
+      </p:sp>
+      <p:pic>
+        <p:nvPicPr>
+          <p:cNvPr id="4" name="Picture 3">
+            <a:extLst>
+              <a:ext uri="{FF2B5EF4-FFF2-40B4-BE49-F238E27FC236}">
+                <a16:creationId xmlns:a16="http://schemas.microsoft.com/office/drawing/2014/main" id="{016E9D6D-B1E0-2455-A1E9-5F23DFE4B619}"/>
+              </a:ext>
+            </a:extLst>
+          </p:cNvPr>
+          <p:cNvPicPr>
+            <a:picLocks noChangeAspect="1"/>
+          </p:cNvPicPr>
+          <p:nvPr/>
+        </p:nvPicPr>
+        <p:blipFill>
+          <a:blip r:embed="rId2"/>
+          <a:stretch>
+            <a:fillRect/>
+          </a:stretch>
+        </p:blipFill>
         <p:spPr>
           <a:xfrm>
-            <a:off x="1451579" y="2015732"/>
-            <a:ext cx="9603275" cy="4037749"/>
+            <a:off x="1137146" y="0"/>
+            <a:ext cx="9917708" cy="6892496"/>
           </a:xfrm>
+          <a:prstGeom prst="rect">
+            <a:avLst/>
+          </a:prstGeom>
         </p:spPr>
-        <p:txBody>
-          <a:bodyPr/>
-          <a:lstStyle/>
-          <a:p>
-            <a:r>
-              <a:rPr lang="en-US" dirty="0"/>
-              <a:t>The error measures either squared or took the absolute value of the residual. </a:t>
-            </a:r>
-          </a:p>
-          <a:p>
-            <a:r>
-              <a:rPr lang="en-US" dirty="0"/>
-              <a:t>Squaring does a couple of things:</a:t>
-            </a:r>
-          </a:p>
-          <a:p>
-            <a:pPr lvl="1"/>
-            <a:r>
-              <a:rPr lang="en-US" dirty="0"/>
-              <a:t>Eliminates negatives. We get a measure of the magnitude. (MAE also does this.)</a:t>
-            </a:r>
-          </a:p>
-          <a:p>
-            <a:pPr lvl="1"/>
-            <a:r>
-              <a:rPr lang="en-US" dirty="0"/>
-              <a:t>Penalizes large residuals. </a:t>
-            </a:r>
-          </a:p>
-          <a:p>
-            <a:r>
-              <a:rPr lang="en-US" dirty="0"/>
-              <a:t>Having residuals that are small are good, even though they’ll never be perfect. </a:t>
-            </a:r>
-          </a:p>
-          <a:p>
-            <a:r>
-              <a:rPr lang="en-US" dirty="0"/>
-              <a:t>Having large residuals indicates massive misses. </a:t>
-            </a:r>
-          </a:p>
-          <a:p>
-            <a:r>
-              <a:rPr lang="en-US" dirty="0"/>
-              <a:t>MSE/RMSE tends to reward models without many large residuals. </a:t>
-            </a:r>
-          </a:p>
-          <a:p>
-            <a:pPr lvl="1"/>
-            <a:r>
-              <a:rPr lang="en-US" dirty="0"/>
-              <a:t>Few large misses. </a:t>
-            </a:r>
-          </a:p>
-        </p:txBody>
-      </p:sp>
+      </p:pic>
     </p:spTree>
     <p:extLst>
       <p:ext uri="{BB962C8B-B14F-4D97-AF65-F5344CB8AC3E}">
-        <p14:creationId xmlns:p14="http://schemas.microsoft.com/office/powerpoint/2010/main" val="3570164820"/>
+        <p14:creationId xmlns:p14="http://schemas.microsoft.com/office/powerpoint/2010/main" val="3720487206"/>
       </p:ext>
     </p:extLst>
   </p:cSld>
@@ -4194,6 +4256,341 @@
           <p:cNvPr id="2" name="Title 1">
             <a:extLst>
               <a:ext uri="{FF2B5EF4-FFF2-40B4-BE49-F238E27FC236}">
+                <a16:creationId xmlns:a16="http://schemas.microsoft.com/office/drawing/2014/main" id="{387B9AE9-C7BA-7C94-52F0-B3F727BF728E}"/>
+              </a:ext>
+            </a:extLst>
+          </p:cNvPr>
+          <p:cNvSpPr>
+            <a:spLocks noGrp="1"/>
+          </p:cNvSpPr>
+          <p:nvPr>
+            <p:ph type="title"/>
+          </p:nvPr>
+        </p:nvSpPr>
+        <p:spPr/>
+        <p:txBody>
+          <a:bodyPr/>
+          <a:lstStyle/>
+          <a:p>
+            <a:r>
+              <a:rPr lang="en-US" dirty="0"/>
+              <a:t>Summarization of Errors</a:t>
+            </a:r>
+          </a:p>
+        </p:txBody>
+      </p:sp>
+      <p:sp>
+        <p:nvSpPr>
+          <p:cNvPr id="3" name="Content Placeholder 2">
+            <a:extLst>
+              <a:ext uri="{FF2B5EF4-FFF2-40B4-BE49-F238E27FC236}">
+                <a16:creationId xmlns:a16="http://schemas.microsoft.com/office/drawing/2014/main" id="{3436DCAA-7675-6826-7BFF-726EC4BF5418}"/>
+              </a:ext>
+            </a:extLst>
+          </p:cNvPr>
+          <p:cNvSpPr>
+            <a:spLocks noGrp="1"/>
+          </p:cNvSpPr>
+          <p:nvPr>
+            <p:ph idx="1"/>
+          </p:nvPr>
+        </p:nvSpPr>
+        <p:spPr>
+          <a:xfrm>
+            <a:off x="144967" y="1853754"/>
+            <a:ext cx="10909888" cy="4279417"/>
+          </a:xfrm>
+        </p:spPr>
+        <p:txBody>
+          <a:bodyPr>
+            <a:normAutofit lnSpcReduction="10000"/>
+          </a:bodyPr>
+          <a:lstStyle/>
+          <a:p>
+            <a:r>
+              <a:rPr lang="en-US" dirty="0"/>
+              <a:t>If we have an expectation (analytical model, ML prediction, guess) and a true (empirical) value, we can calculate the residual. </a:t>
+            </a:r>
+          </a:p>
+          <a:p>
+            <a:r>
+              <a:rPr lang="en-US" dirty="0"/>
+              <a:t>When dealing with many points, a list of residuals is impractical. </a:t>
+            </a:r>
+          </a:p>
+          <a:p>
+            <a:r>
+              <a:rPr lang="en-US" dirty="0"/>
+              <a:t>We can summarize residuals into one measure of error. </a:t>
+            </a:r>
+          </a:p>
+          <a:p>
+            <a:r>
+              <a:rPr lang="en-US" dirty="0"/>
+              <a:t>There are several ways to summarize error, e.g.</a:t>
+            </a:r>
+          </a:p>
+          <a:p>
+            <a:pPr lvl="1"/>
+            <a:r>
+              <a:rPr lang="en-US" dirty="0"/>
+              <a:t>MSE – Mean squared error. Square residuals and average them.</a:t>
+            </a:r>
+          </a:p>
+          <a:p>
+            <a:pPr lvl="1"/>
+            <a:r>
+              <a:rPr lang="en-US" dirty="0"/>
+              <a:t>RMSE – Root mean squared error. Take the square root of MSE. </a:t>
+            </a:r>
+          </a:p>
+          <a:p>
+            <a:pPr lvl="1"/>
+            <a:r>
+              <a:rPr lang="en-US" dirty="0"/>
+              <a:t>MAE – Mean absolute error. Average the absolute values of the residuals. </a:t>
+            </a:r>
+          </a:p>
+          <a:p>
+            <a:r>
+              <a:rPr lang="en-US" dirty="0"/>
+              <a:t>RMSE is the most common error measure for us. </a:t>
+            </a:r>
+          </a:p>
+          <a:p>
+            <a:r>
+              <a:rPr lang="en-US" dirty="0"/>
+              <a:t>Lower error amounts tell us that the model and the empirical are similar. </a:t>
+            </a:r>
+          </a:p>
+        </p:txBody>
+      </p:sp>
+      <p:pic>
+        <p:nvPicPr>
+          <p:cNvPr id="1028" name="Picture 4" descr="Root-Mean-Square Error in R Programming - GeeksforGeeks">
+            <a:extLst>
+              <a:ext uri="{FF2B5EF4-FFF2-40B4-BE49-F238E27FC236}">
+                <a16:creationId xmlns:a16="http://schemas.microsoft.com/office/drawing/2014/main" id="{82A2C651-69B6-1EF8-D924-8DA01DD3B648}"/>
+              </a:ext>
+            </a:extLst>
+          </p:cNvPr>
+          <p:cNvPicPr>
+            <a:picLocks noChangeAspect="1" noChangeArrowheads="1"/>
+          </p:cNvPicPr>
+          <p:nvPr/>
+        </p:nvPicPr>
+        <p:blipFill>
+          <a:blip r:embed="rId2">
+            <a:extLst>
+              <a:ext uri="{28A0092B-C50C-407E-A947-70E740481C1C}">
+                <a14:useLocalDpi xmlns:a14="http://schemas.microsoft.com/office/drawing/2010/main" val="0"/>
+              </a:ext>
+            </a:extLst>
+          </a:blip>
+          <a:srcRect/>
+          <a:stretch>
+            <a:fillRect/>
+          </a:stretch>
+        </p:blipFill>
+        <p:spPr bwMode="auto">
+          <a:xfrm>
+            <a:off x="7251700" y="2902989"/>
+            <a:ext cx="4940300" cy="1651000"/>
+          </a:xfrm>
+          <a:prstGeom prst="rect">
+            <a:avLst/>
+          </a:prstGeom>
+          <a:noFill/>
+          <a:extLst>
+            <a:ext uri="{909E8E84-426E-40DD-AFC4-6F175D3DCCD1}">
+              <a14:hiddenFill xmlns:a14="http://schemas.microsoft.com/office/drawing/2010/main">
+                <a:solidFill>
+                  <a:srgbClr val="FFFFFF"/>
+                </a:solidFill>
+              </a14:hiddenFill>
+            </a:ext>
+          </a:extLst>
+        </p:spPr>
+      </p:pic>
+    </p:spTree>
+    <p:extLst>
+      <p:ext uri="{BB962C8B-B14F-4D97-AF65-F5344CB8AC3E}">
+        <p14:creationId xmlns:p14="http://schemas.microsoft.com/office/powerpoint/2010/main" val="3737122044"/>
+      </p:ext>
+    </p:extLst>
+  </p:cSld>
+  <p:clrMapOvr>
+    <a:masterClrMapping/>
+  </p:clrMapOvr>
+</p:sld>
+</file>
+
+<file path=ppt/slides/slide7.xml><?xml version="1.0" encoding="utf-8"?>
+<p:sld xmlns:a="http://schemas.openxmlformats.org/drawingml/2006/main" xmlns:r="http://schemas.openxmlformats.org/officeDocument/2006/relationships" xmlns:p="http://schemas.openxmlformats.org/presentationml/2006/main">
+  <p:cSld>
+    <p:spTree>
+      <p:nvGrpSpPr>
+        <p:cNvPr id="1" name=""/>
+        <p:cNvGrpSpPr/>
+        <p:nvPr/>
+      </p:nvGrpSpPr>
+      <p:grpSpPr>
+        <a:xfrm>
+          <a:off x="0" y="0"/>
+          <a:ext cx="0" cy="0"/>
+          <a:chOff x="0" y="0"/>
+          <a:chExt cx="0" cy="0"/>
+        </a:xfrm>
+      </p:grpSpPr>
+      <p:sp>
+        <p:nvSpPr>
+          <p:cNvPr id="2" name="Title 1">
+            <a:extLst>
+              <a:ext uri="{FF2B5EF4-FFF2-40B4-BE49-F238E27FC236}">
+                <a16:creationId xmlns:a16="http://schemas.microsoft.com/office/drawing/2014/main" id="{E9356086-BE05-B01B-10A4-6D1976445E25}"/>
+              </a:ext>
+            </a:extLst>
+          </p:cNvPr>
+          <p:cNvSpPr>
+            <a:spLocks noGrp="1"/>
+          </p:cNvSpPr>
+          <p:nvPr>
+            <p:ph type="title"/>
+          </p:nvPr>
+        </p:nvSpPr>
+        <p:spPr/>
+        <p:txBody>
+          <a:bodyPr/>
+          <a:lstStyle/>
+          <a:p>
+            <a:r>
+              <a:rPr lang="en-US" dirty="0"/>
+              <a:t>Why Squared?</a:t>
+            </a:r>
+          </a:p>
+        </p:txBody>
+      </p:sp>
+      <p:sp>
+        <p:nvSpPr>
+          <p:cNvPr id="3" name="Content Placeholder 2">
+            <a:extLst>
+              <a:ext uri="{FF2B5EF4-FFF2-40B4-BE49-F238E27FC236}">
+                <a16:creationId xmlns:a16="http://schemas.microsoft.com/office/drawing/2014/main" id="{BC34DD8C-2FBC-A875-6B61-74B2788B9CD3}"/>
+              </a:ext>
+            </a:extLst>
+          </p:cNvPr>
+          <p:cNvSpPr>
+            <a:spLocks noGrp="1"/>
+          </p:cNvSpPr>
+          <p:nvPr>
+            <p:ph idx="1"/>
+          </p:nvPr>
+        </p:nvSpPr>
+        <p:spPr>
+          <a:xfrm>
+            <a:off x="1451579" y="2015732"/>
+            <a:ext cx="9603275" cy="4037749"/>
+          </a:xfrm>
+        </p:spPr>
+        <p:txBody>
+          <a:bodyPr>
+            <a:normAutofit lnSpcReduction="10000"/>
+          </a:bodyPr>
+          <a:lstStyle/>
+          <a:p>
+            <a:r>
+              <a:rPr lang="en-US" dirty="0"/>
+              <a:t>The error measures either squared or took the absolute value of the residual. </a:t>
+            </a:r>
+          </a:p>
+          <a:p>
+            <a:r>
+              <a:rPr lang="en-US" dirty="0"/>
+              <a:t>Squaring does a couple of things:</a:t>
+            </a:r>
+          </a:p>
+          <a:p>
+            <a:pPr lvl="1"/>
+            <a:r>
+              <a:rPr lang="en-US" dirty="0"/>
+              <a:t>Eliminates negatives. We get a measure of the magnitude. (MAE* also does this.)</a:t>
+            </a:r>
+          </a:p>
+          <a:p>
+            <a:pPr lvl="1"/>
+            <a:r>
+              <a:rPr lang="en-US" dirty="0"/>
+              <a:t>Penalizes large residuals. </a:t>
+            </a:r>
+          </a:p>
+          <a:p>
+            <a:r>
+              <a:rPr lang="en-US" dirty="0"/>
+              <a:t>Having residuals that are small are good, even though they’ll never be perfect. </a:t>
+            </a:r>
+          </a:p>
+          <a:p>
+            <a:r>
+              <a:rPr lang="en-US" dirty="0"/>
+              <a:t>Having large residuals indicates massive misses. </a:t>
+            </a:r>
+          </a:p>
+          <a:p>
+            <a:r>
+              <a:rPr lang="en-US" dirty="0"/>
+              <a:t>MSE/RMSE tends to reward models without many large residuals. </a:t>
+            </a:r>
+          </a:p>
+          <a:p>
+            <a:pPr lvl="1"/>
+            <a:r>
+              <a:rPr lang="en-US" dirty="0"/>
+              <a:t>Few large misses. </a:t>
+            </a:r>
+          </a:p>
+          <a:p>
+            <a:r>
+              <a:rPr lang="en-US" dirty="0"/>
+              <a:t>*Absolute values make for weird math, which is one reason it is less common. </a:t>
+            </a:r>
+          </a:p>
+        </p:txBody>
+      </p:sp>
+    </p:spTree>
+    <p:extLst>
+      <p:ext uri="{BB962C8B-B14F-4D97-AF65-F5344CB8AC3E}">
+        <p14:creationId xmlns:p14="http://schemas.microsoft.com/office/powerpoint/2010/main" val="3570164820"/>
+      </p:ext>
+    </p:extLst>
+  </p:cSld>
+  <p:clrMapOvr>
+    <a:masterClrMapping/>
+  </p:clrMapOvr>
+</p:sld>
+</file>
+
+<file path=ppt/slides/slide8.xml><?xml version="1.0" encoding="utf-8"?>
+<p:sld xmlns:a="http://schemas.openxmlformats.org/drawingml/2006/main" xmlns:r="http://schemas.openxmlformats.org/officeDocument/2006/relationships" xmlns:p="http://schemas.openxmlformats.org/presentationml/2006/main">
+  <p:cSld>
+    <p:spTree>
+      <p:nvGrpSpPr>
+        <p:cNvPr id="1" name=""/>
+        <p:cNvGrpSpPr/>
+        <p:nvPr/>
+      </p:nvGrpSpPr>
+      <p:grpSpPr>
+        <a:xfrm>
+          <a:off x="0" y="0"/>
+          <a:ext cx="0" cy="0"/>
+          <a:chOff x="0" y="0"/>
+          <a:chExt cx="0" cy="0"/>
+        </a:xfrm>
+      </p:grpSpPr>
+      <p:sp>
+        <p:nvSpPr>
+          <p:cNvPr id="2" name="Title 1">
+            <a:extLst>
+              <a:ext uri="{FF2B5EF4-FFF2-40B4-BE49-F238E27FC236}">
                 <a16:creationId xmlns:a16="http://schemas.microsoft.com/office/drawing/2014/main" id="{0D359CE7-4693-6CD4-9424-CF2757B5ECB0}"/>
               </a:ext>
             </a:extLst>
@@ -4240,11 +4637,26 @@
           <a:p>
             <a:r>
               <a:rPr lang="en-US" dirty="0"/>
-              <a:t>R-squared is another measure of </a:t>
-            </a:r>
-            <a:r>
-              <a:rPr lang="en-US"/>
-              <a:t>model quality. </a:t>
+              <a:t>R-squared is another measure of model quality. </a:t>
+            </a:r>
+          </a:p>
+          <a:p>
+            <a:pPr lvl="1"/>
+            <a:r>
+              <a:rPr lang="en-US" dirty="0"/>
+              <a:t>Likely to pop-up if searching about this stuff. </a:t>
+            </a:r>
+          </a:p>
+          <a:p>
+            <a:r>
+              <a:rPr lang="en-US" dirty="0"/>
+              <a:t>We’ll deal with it later. </a:t>
+            </a:r>
+          </a:p>
+          <a:p>
+            <a:r>
+              <a:rPr lang="en-US" dirty="0"/>
+              <a:t>It is a measure of “how much” the model captures. </a:t>
             </a:r>
           </a:p>
         </p:txBody>
@@ -4262,7 +4674,7 @@
 </p:sld>
 </file>
 
-<file path=ppt/slides/slide7.xml><?xml version="1.0" encoding="utf-8"?>
+<file path=ppt/slides/slide9.xml><?xml version="1.0" encoding="utf-8"?>
 <p:sld xmlns:a="http://schemas.openxmlformats.org/drawingml/2006/main" xmlns:r="http://schemas.openxmlformats.org/officeDocument/2006/relationships" xmlns:p="http://schemas.openxmlformats.org/presentationml/2006/main">
   <p:cSld>
     <p:spTree>

--- a/reference_material/slides/012_Errors.pptx
+++ b/reference_material/slides/012_Errors.pptx
@@ -7,13 +7,17 @@
   <p:sldIdLst>
     <p:sldId id="263" r:id="rId2"/>
     <p:sldId id="256" r:id="rId3"/>
-    <p:sldId id="257" r:id="rId4"/>
-    <p:sldId id="258" r:id="rId5"/>
-    <p:sldId id="264" r:id="rId6"/>
-    <p:sldId id="259" r:id="rId7"/>
-    <p:sldId id="260" r:id="rId8"/>
-    <p:sldId id="262" r:id="rId9"/>
-    <p:sldId id="261" r:id="rId10"/>
+    <p:sldId id="268" r:id="rId4"/>
+    <p:sldId id="266" r:id="rId5"/>
+    <p:sldId id="257" r:id="rId6"/>
+    <p:sldId id="258" r:id="rId7"/>
+    <p:sldId id="265" r:id="rId8"/>
+    <p:sldId id="264" r:id="rId9"/>
+    <p:sldId id="267" r:id="rId10"/>
+    <p:sldId id="259" r:id="rId11"/>
+    <p:sldId id="260" r:id="rId12"/>
+    <p:sldId id="262" r:id="rId13"/>
+    <p:sldId id="261" r:id="rId14"/>
   </p:sldIdLst>
   <p:sldSz cx="12192000" cy="6858000"/>
   <p:notesSz cx="6858000" cy="9144000"/>
@@ -3679,12 +3683,14 @@
         </p:nvSpPr>
         <p:spPr>
           <a:xfrm>
-            <a:off x="1451579" y="2015732"/>
-            <a:ext cx="9603275" cy="4162044"/>
+            <a:off x="1451579" y="1853754"/>
+            <a:ext cx="9603275" cy="4324022"/>
           </a:xfrm>
         </p:spPr>
         <p:txBody>
-          <a:bodyPr/>
+          <a:bodyPr>
+            <a:normAutofit fontScale="92500" lnSpcReduction="10000"/>
+          </a:bodyPr>
           <a:lstStyle/>
           <a:p>
             <a:r>
@@ -3729,6 +3735,19 @@
           <a:p>
             <a:r>
               <a:rPr lang="en-US" dirty="0"/>
+              <a:t>Assignment 2:</a:t>
+            </a:r>
+          </a:p>
+          <a:p>
+            <a:pPr lvl="1"/>
+            <a:r>
+              <a:rPr lang="en-US" dirty="0"/>
+              <a:t>Description is up. Largely analytical distributions and correlation. </a:t>
+            </a:r>
+          </a:p>
+          <a:p>
+            <a:r>
+              <a:rPr lang="en-US" dirty="0"/>
               <a:t>Today:</a:t>
             </a:r>
           </a:p>
@@ -3736,7 +3755,14 @@
             <a:pPr lvl="1"/>
             <a:r>
               <a:rPr lang="en-US" dirty="0"/>
-              <a:t>Error</a:t>
+              <a:t>Error (workbook 012…). First part of chapter 8. </a:t>
+            </a:r>
+          </a:p>
+          <a:p>
+            <a:pPr lvl="1"/>
+            <a:r>
+              <a:rPr lang="en-US" dirty="0"/>
+              <a:t>Peek at time series data. </a:t>
             </a:r>
           </a:p>
         </p:txBody>
@@ -3754,7 +3780,7 @@
 </p:sld>
 </file>
 
-<file path=ppt/slides/slide2.xml><?xml version="1.0" encoding="utf-8"?>
+<file path=ppt/slides/slide10.xml><?xml version="1.0" encoding="utf-8"?>
 <p:sld xmlns:a="http://schemas.openxmlformats.org/drawingml/2006/main" xmlns:r="http://schemas.openxmlformats.org/officeDocument/2006/relationships" xmlns:p="http://schemas.openxmlformats.org/presentationml/2006/main">
   <p:cSld>
     <p:spTree>
@@ -3776,486 +3802,6 @@
           <p:cNvPr id="2" name="Title 1">
             <a:extLst>
               <a:ext uri="{FF2B5EF4-FFF2-40B4-BE49-F238E27FC236}">
-                <a16:creationId xmlns:a16="http://schemas.microsoft.com/office/drawing/2014/main" id="{3E306A6D-B04D-DFFC-21B2-BD44396FA49F}"/>
-              </a:ext>
-            </a:extLst>
-          </p:cNvPr>
-          <p:cNvSpPr>
-            <a:spLocks noGrp="1"/>
-          </p:cNvSpPr>
-          <p:nvPr>
-            <p:ph type="ctrTitle"/>
-          </p:nvPr>
-        </p:nvSpPr>
-        <p:spPr/>
-        <p:txBody>
-          <a:bodyPr/>
-          <a:lstStyle/>
-          <a:p>
-            <a:r>
-              <a:rPr lang="en-US" dirty="0"/>
-              <a:t>Errors</a:t>
-            </a:r>
-          </a:p>
-        </p:txBody>
-      </p:sp>
-      <p:sp>
-        <p:nvSpPr>
-          <p:cNvPr id="3" name="Subtitle 2">
-            <a:extLst>
-              <a:ext uri="{FF2B5EF4-FFF2-40B4-BE49-F238E27FC236}">
-                <a16:creationId xmlns:a16="http://schemas.microsoft.com/office/drawing/2014/main" id="{55636125-717A-D5AD-1708-CB7F24EC715A}"/>
-              </a:ext>
-            </a:extLst>
-          </p:cNvPr>
-          <p:cNvSpPr>
-            <a:spLocks noGrp="1"/>
-          </p:cNvSpPr>
-          <p:nvPr>
-            <p:ph type="subTitle" idx="1"/>
-          </p:nvPr>
-        </p:nvSpPr>
-        <p:spPr/>
-        <p:txBody>
-          <a:bodyPr/>
-          <a:lstStyle/>
-          <a:p>
-            <a:endParaRPr lang="en-US"/>
-          </a:p>
-        </p:txBody>
-      </p:sp>
-    </p:spTree>
-    <p:extLst>
-      <p:ext uri="{BB962C8B-B14F-4D97-AF65-F5344CB8AC3E}">
-        <p14:creationId xmlns:p14="http://schemas.microsoft.com/office/powerpoint/2010/main" val="2329615472"/>
-      </p:ext>
-    </p:extLst>
-  </p:cSld>
-  <p:clrMapOvr>
-    <a:masterClrMapping/>
-  </p:clrMapOvr>
-</p:sld>
-</file>
-
-<file path=ppt/slides/slide3.xml><?xml version="1.0" encoding="utf-8"?>
-<p:sld xmlns:a="http://schemas.openxmlformats.org/drawingml/2006/main" xmlns:r="http://schemas.openxmlformats.org/officeDocument/2006/relationships" xmlns:p="http://schemas.openxmlformats.org/presentationml/2006/main">
-  <p:cSld>
-    <p:spTree>
-      <p:nvGrpSpPr>
-        <p:cNvPr id="1" name=""/>
-        <p:cNvGrpSpPr/>
-        <p:nvPr/>
-      </p:nvGrpSpPr>
-      <p:grpSpPr>
-        <a:xfrm>
-          <a:off x="0" y="0"/>
-          <a:ext cx="0" cy="0"/>
-          <a:chOff x="0" y="0"/>
-          <a:chExt cx="0" cy="0"/>
-        </a:xfrm>
-      </p:grpSpPr>
-      <p:sp>
-        <p:nvSpPr>
-          <p:cNvPr id="2" name="Title 1">
-            <a:extLst>
-              <a:ext uri="{FF2B5EF4-FFF2-40B4-BE49-F238E27FC236}">
-                <a16:creationId xmlns:a16="http://schemas.microsoft.com/office/drawing/2014/main" id="{482C6352-913A-80C4-CF7E-B8EC17246DCA}"/>
-              </a:ext>
-            </a:extLst>
-          </p:cNvPr>
-          <p:cNvSpPr>
-            <a:spLocks noGrp="1"/>
-          </p:cNvSpPr>
-          <p:nvPr>
-            <p:ph type="title"/>
-          </p:nvPr>
-        </p:nvSpPr>
-        <p:spPr/>
-        <p:txBody>
-          <a:bodyPr/>
-          <a:lstStyle/>
-          <a:p>
-            <a:r>
-              <a:rPr lang="en-US" dirty="0"/>
-              <a:t>Errors</a:t>
-            </a:r>
-          </a:p>
-        </p:txBody>
-      </p:sp>
-      <p:sp>
-        <p:nvSpPr>
-          <p:cNvPr id="3" name="Content Placeholder 2">
-            <a:extLst>
-              <a:ext uri="{FF2B5EF4-FFF2-40B4-BE49-F238E27FC236}">
-                <a16:creationId xmlns:a16="http://schemas.microsoft.com/office/drawing/2014/main" id="{95389208-C1D8-D820-95A6-46333A5231BD}"/>
-              </a:ext>
-            </a:extLst>
-          </p:cNvPr>
-          <p:cNvSpPr>
-            <a:spLocks noGrp="1"/>
-          </p:cNvSpPr>
-          <p:nvPr>
-            <p:ph idx="1"/>
-          </p:nvPr>
-        </p:nvSpPr>
-        <p:spPr>
-          <a:xfrm>
-            <a:off x="1451579" y="2015732"/>
-            <a:ext cx="9603275" cy="4037749"/>
-          </a:xfrm>
-        </p:spPr>
-        <p:txBody>
-          <a:bodyPr/>
-          <a:lstStyle/>
-          <a:p>
-            <a:r>
-              <a:rPr lang="en-US" dirty="0"/>
-              <a:t>When matching empirical data to analytical distributions our match is never perfect. </a:t>
-            </a:r>
-          </a:p>
-          <a:p>
-            <a:r>
-              <a:rPr lang="en-US" dirty="0"/>
-              <a:t>Each point is “off” the analytical distribution by some amount. </a:t>
-            </a:r>
-          </a:p>
-          <a:p>
-            <a:r>
-              <a:rPr lang="en-US" dirty="0"/>
-              <a:t>The less the total amount of “off” is, the more closely matched the distribution. </a:t>
-            </a:r>
-          </a:p>
-          <a:p>
-            <a:endParaRPr lang="en-US" dirty="0"/>
-          </a:p>
-          <a:p>
-            <a:r>
-              <a:rPr lang="en-US" dirty="0"/>
-              <a:t>Predictions work the same way:</a:t>
-            </a:r>
-          </a:p>
-          <a:p>
-            <a:pPr lvl="1"/>
-            <a:r>
-              <a:rPr lang="en-US" dirty="0"/>
-              <a:t>Predict what a value should be. </a:t>
-            </a:r>
-          </a:p>
-          <a:p>
-            <a:pPr lvl="1"/>
-            <a:r>
-              <a:rPr lang="en-US" dirty="0"/>
-              <a:t>Measure our error.</a:t>
-            </a:r>
-          </a:p>
-          <a:p>
-            <a:pPr lvl="1"/>
-            <a:r>
-              <a:rPr lang="en-US" dirty="0"/>
-              <a:t>Summarize these errors to estimate overall accuracy. </a:t>
-            </a:r>
-          </a:p>
-        </p:txBody>
-      </p:sp>
-    </p:spTree>
-    <p:extLst>
-      <p:ext uri="{BB962C8B-B14F-4D97-AF65-F5344CB8AC3E}">
-        <p14:creationId xmlns:p14="http://schemas.microsoft.com/office/powerpoint/2010/main" val="3134869059"/>
-      </p:ext>
-    </p:extLst>
-  </p:cSld>
-  <p:clrMapOvr>
-    <a:masterClrMapping/>
-  </p:clrMapOvr>
-</p:sld>
-</file>
-
-<file path=ppt/slides/slide4.xml><?xml version="1.0" encoding="utf-8"?>
-<p:sld xmlns:a="http://schemas.openxmlformats.org/drawingml/2006/main" xmlns:r="http://schemas.openxmlformats.org/officeDocument/2006/relationships" xmlns:p="http://schemas.openxmlformats.org/presentationml/2006/main">
-  <p:cSld>
-    <p:spTree>
-      <p:nvGrpSpPr>
-        <p:cNvPr id="1" name=""/>
-        <p:cNvGrpSpPr/>
-        <p:nvPr/>
-      </p:nvGrpSpPr>
-      <p:grpSpPr>
-        <a:xfrm>
-          <a:off x="0" y="0"/>
-          <a:ext cx="0" cy="0"/>
-          <a:chOff x="0" y="0"/>
-          <a:chExt cx="0" cy="0"/>
-        </a:xfrm>
-      </p:grpSpPr>
-      <p:sp>
-        <p:nvSpPr>
-          <p:cNvPr id="2" name="Title 1">
-            <a:extLst>
-              <a:ext uri="{FF2B5EF4-FFF2-40B4-BE49-F238E27FC236}">
-                <a16:creationId xmlns:a16="http://schemas.microsoft.com/office/drawing/2014/main" id="{26EF6B96-4AC2-5366-6E64-4FCABD653C4B}"/>
-              </a:ext>
-            </a:extLst>
-          </p:cNvPr>
-          <p:cNvSpPr>
-            <a:spLocks noGrp="1"/>
-          </p:cNvSpPr>
-          <p:nvPr>
-            <p:ph type="title"/>
-          </p:nvPr>
-        </p:nvSpPr>
-        <p:spPr/>
-        <p:txBody>
-          <a:bodyPr/>
-          <a:lstStyle/>
-          <a:p>
-            <a:r>
-              <a:rPr lang="en-US" dirty="0"/>
-              <a:t>Residuals</a:t>
-            </a:r>
-          </a:p>
-        </p:txBody>
-      </p:sp>
-      <p:sp>
-        <p:nvSpPr>
-          <p:cNvPr id="3" name="Content Placeholder 2">
-            <a:extLst>
-              <a:ext uri="{FF2B5EF4-FFF2-40B4-BE49-F238E27FC236}">
-                <a16:creationId xmlns:a16="http://schemas.microsoft.com/office/drawing/2014/main" id="{5F735C24-FC39-2D6E-5A15-E5DC7C3D6B7D}"/>
-              </a:ext>
-            </a:extLst>
-          </p:cNvPr>
-          <p:cNvSpPr>
-            <a:spLocks noGrp="1"/>
-          </p:cNvSpPr>
-          <p:nvPr>
-            <p:ph idx="1"/>
-          </p:nvPr>
-        </p:nvSpPr>
-        <p:spPr>
-          <a:xfrm>
-            <a:off x="111513" y="2015732"/>
-            <a:ext cx="4761570" cy="4037749"/>
-          </a:xfrm>
-        </p:spPr>
-        <p:txBody>
-          <a:bodyPr/>
-          <a:lstStyle/>
-          <a:p>
-            <a:r>
-              <a:rPr lang="en-US" dirty="0"/>
-              <a:t>A residual is how much one prediction is off from reality. </a:t>
-            </a:r>
-          </a:p>
-          <a:p>
-            <a:r>
-              <a:rPr lang="en-US" dirty="0"/>
-              <a:t>Each point in our data has its own residual – how “off” was the model vs that real value. </a:t>
-            </a:r>
-          </a:p>
-          <a:p>
-            <a:pPr lvl="1"/>
-            <a:r>
-              <a:rPr lang="en-US" dirty="0"/>
-              <a:t>Subtract one from the other. </a:t>
-            </a:r>
-          </a:p>
-          <a:p>
-            <a:r>
-              <a:rPr lang="en-US" dirty="0"/>
-              <a:t>Here – </a:t>
-            </a:r>
-            <a:r>
-              <a:rPr lang="en-US" dirty="0" err="1"/>
-              <a:t>LoBF</a:t>
-            </a:r>
-            <a:r>
-              <a:rPr lang="en-US" dirty="0"/>
-              <a:t> is a prediction. </a:t>
-            </a:r>
-          </a:p>
-          <a:p>
-            <a:r>
-              <a:rPr lang="en-US" dirty="0"/>
-              <a:t>Next – Analytical model is a prediction. </a:t>
-            </a:r>
-          </a:p>
-        </p:txBody>
-      </p:sp>
-      <p:pic>
-        <p:nvPicPr>
-          <p:cNvPr id="4" name="Picture 3">
-            <a:extLst>
-              <a:ext uri="{FF2B5EF4-FFF2-40B4-BE49-F238E27FC236}">
-                <a16:creationId xmlns:a16="http://schemas.microsoft.com/office/drawing/2014/main" id="{D38F8C1F-A22D-924B-1803-6143A067A40C}"/>
-              </a:ext>
-            </a:extLst>
-          </p:cNvPr>
-          <p:cNvPicPr>
-            <a:picLocks noChangeAspect="1"/>
-          </p:cNvPicPr>
-          <p:nvPr/>
-        </p:nvPicPr>
-        <p:blipFill>
-          <a:blip r:embed="rId2"/>
-          <a:stretch>
-            <a:fillRect/>
-          </a:stretch>
-        </p:blipFill>
-        <p:spPr>
-          <a:xfrm>
-            <a:off x="4999492" y="1853754"/>
-            <a:ext cx="7140571" cy="4848129"/>
-          </a:xfrm>
-          <a:prstGeom prst="rect">
-            <a:avLst/>
-          </a:prstGeom>
-        </p:spPr>
-      </p:pic>
-    </p:spTree>
-    <p:extLst>
-      <p:ext uri="{BB962C8B-B14F-4D97-AF65-F5344CB8AC3E}">
-        <p14:creationId xmlns:p14="http://schemas.microsoft.com/office/powerpoint/2010/main" val="3811981501"/>
-      </p:ext>
-    </p:extLst>
-  </p:cSld>
-  <p:clrMapOvr>
-    <a:masterClrMapping/>
-  </p:clrMapOvr>
-</p:sld>
-</file>
-
-<file path=ppt/slides/slide5.xml><?xml version="1.0" encoding="utf-8"?>
-<p:sld xmlns:a="http://schemas.openxmlformats.org/drawingml/2006/main" xmlns:r="http://schemas.openxmlformats.org/officeDocument/2006/relationships" xmlns:p="http://schemas.openxmlformats.org/presentationml/2006/main">
-  <p:cSld>
-    <p:spTree>
-      <p:nvGrpSpPr>
-        <p:cNvPr id="1" name=""/>
-        <p:cNvGrpSpPr/>
-        <p:nvPr/>
-      </p:nvGrpSpPr>
-      <p:grpSpPr>
-        <a:xfrm>
-          <a:off x="0" y="0"/>
-          <a:ext cx="0" cy="0"/>
-          <a:chOff x="0" y="0"/>
-          <a:chExt cx="0" cy="0"/>
-        </a:xfrm>
-      </p:grpSpPr>
-      <p:sp>
-        <p:nvSpPr>
-          <p:cNvPr id="2" name="Title 1">
-            <a:extLst>
-              <a:ext uri="{FF2B5EF4-FFF2-40B4-BE49-F238E27FC236}">
-                <a16:creationId xmlns:a16="http://schemas.microsoft.com/office/drawing/2014/main" id="{D9EE0CC7-13E3-E839-CD79-3E2C824204A1}"/>
-              </a:ext>
-            </a:extLst>
-          </p:cNvPr>
-          <p:cNvSpPr>
-            <a:spLocks noGrp="1"/>
-          </p:cNvSpPr>
-          <p:nvPr>
-            <p:ph type="title"/>
-          </p:nvPr>
-        </p:nvSpPr>
-        <p:spPr/>
-        <p:txBody>
-          <a:bodyPr/>
-          <a:lstStyle/>
-          <a:p>
-            <a:endParaRPr lang="en-US"/>
-          </a:p>
-        </p:txBody>
-      </p:sp>
-      <p:sp>
-        <p:nvSpPr>
-          <p:cNvPr id="3" name="Content Placeholder 2">
-            <a:extLst>
-              <a:ext uri="{FF2B5EF4-FFF2-40B4-BE49-F238E27FC236}">
-                <a16:creationId xmlns:a16="http://schemas.microsoft.com/office/drawing/2014/main" id="{E018A355-9E85-BB63-D825-EB997BE32FE4}"/>
-              </a:ext>
-            </a:extLst>
-          </p:cNvPr>
-          <p:cNvSpPr>
-            <a:spLocks noGrp="1"/>
-          </p:cNvSpPr>
-          <p:nvPr>
-            <p:ph idx="1"/>
-          </p:nvPr>
-        </p:nvSpPr>
-        <p:spPr/>
-        <p:txBody>
-          <a:bodyPr/>
-          <a:lstStyle/>
-          <a:p>
-            <a:endParaRPr lang="en-US"/>
-          </a:p>
-        </p:txBody>
-      </p:sp>
-      <p:pic>
-        <p:nvPicPr>
-          <p:cNvPr id="4" name="Picture 3">
-            <a:extLst>
-              <a:ext uri="{FF2B5EF4-FFF2-40B4-BE49-F238E27FC236}">
-                <a16:creationId xmlns:a16="http://schemas.microsoft.com/office/drawing/2014/main" id="{016E9D6D-B1E0-2455-A1E9-5F23DFE4B619}"/>
-              </a:ext>
-            </a:extLst>
-          </p:cNvPr>
-          <p:cNvPicPr>
-            <a:picLocks noChangeAspect="1"/>
-          </p:cNvPicPr>
-          <p:nvPr/>
-        </p:nvPicPr>
-        <p:blipFill>
-          <a:blip r:embed="rId2"/>
-          <a:stretch>
-            <a:fillRect/>
-          </a:stretch>
-        </p:blipFill>
-        <p:spPr>
-          <a:xfrm>
-            <a:off x="1137146" y="0"/>
-            <a:ext cx="9917708" cy="6892496"/>
-          </a:xfrm>
-          <a:prstGeom prst="rect">
-            <a:avLst/>
-          </a:prstGeom>
-        </p:spPr>
-      </p:pic>
-    </p:spTree>
-    <p:extLst>
-      <p:ext uri="{BB962C8B-B14F-4D97-AF65-F5344CB8AC3E}">
-        <p14:creationId xmlns:p14="http://schemas.microsoft.com/office/powerpoint/2010/main" val="3720487206"/>
-      </p:ext>
-    </p:extLst>
-  </p:cSld>
-  <p:clrMapOvr>
-    <a:masterClrMapping/>
-  </p:clrMapOvr>
-</p:sld>
-</file>
-
-<file path=ppt/slides/slide6.xml><?xml version="1.0" encoding="utf-8"?>
-<p:sld xmlns:a="http://schemas.openxmlformats.org/drawingml/2006/main" xmlns:r="http://schemas.openxmlformats.org/officeDocument/2006/relationships" xmlns:p="http://schemas.openxmlformats.org/presentationml/2006/main">
-  <p:cSld>
-    <p:spTree>
-      <p:nvGrpSpPr>
-        <p:cNvPr id="1" name=""/>
-        <p:cNvGrpSpPr/>
-        <p:nvPr/>
-      </p:nvGrpSpPr>
-      <p:grpSpPr>
-        <a:xfrm>
-          <a:off x="0" y="0"/>
-          <a:ext cx="0" cy="0"/>
-          <a:chOff x="0" y="0"/>
-          <a:chExt cx="0" cy="0"/>
-        </a:xfrm>
-      </p:grpSpPr>
-      <p:sp>
-        <p:nvSpPr>
-          <p:cNvPr id="2" name="Title 1">
-            <a:extLst>
-              <a:ext uri="{FF2B5EF4-FFF2-40B4-BE49-F238E27FC236}">
                 <a16:creationId xmlns:a16="http://schemas.microsoft.com/office/drawing/2014/main" id="{387B9AE9-C7BA-7C94-52F0-B3F727BF728E}"/>
               </a:ext>
             </a:extLst>
@@ -4297,25 +3843,26 @@
         </p:nvSpPr>
         <p:spPr>
           <a:xfrm>
-            <a:off x="144967" y="1853754"/>
-            <a:ext cx="10909888" cy="4279417"/>
+            <a:off x="144967" y="1934598"/>
+            <a:ext cx="10909888" cy="4198573"/>
           </a:xfrm>
         </p:spPr>
         <p:txBody>
           <a:bodyPr>
-            <a:normAutofit lnSpcReduction="10000"/>
+            <a:normAutofit/>
           </a:bodyPr>
           <a:lstStyle/>
           <a:p>
             <a:r>
               <a:rPr lang="en-US" dirty="0"/>
-              <a:t>If we have an expectation (analytical model, ML prediction, guess) and a true (empirical) value, we can calculate the residual. </a:t>
-            </a:r>
-          </a:p>
-          <a:p>
-            <a:r>
-              <a:rPr lang="en-US" dirty="0"/>
               <a:t>When dealing with many points, a list of residuals is impractical. </a:t>
+            </a:r>
+          </a:p>
+          <a:p>
+            <a:pPr lvl="1"/>
+            <a:r>
+              <a:rPr lang="en-US" dirty="0"/>
+              <a:t>Think of a dataset with 10,000,000 rows – a list of that many residuals is impractical. </a:t>
             </a:r>
           </a:p>
           <a:p>
@@ -4425,6 +3972,939 @@
 </p:sld>
 </file>
 
+<file path=ppt/slides/slide11.xml><?xml version="1.0" encoding="utf-8"?>
+<p:sld xmlns:a="http://schemas.openxmlformats.org/drawingml/2006/main" xmlns:r="http://schemas.openxmlformats.org/officeDocument/2006/relationships" xmlns:p="http://schemas.openxmlformats.org/presentationml/2006/main">
+  <p:cSld>
+    <p:spTree>
+      <p:nvGrpSpPr>
+        <p:cNvPr id="1" name=""/>
+        <p:cNvGrpSpPr/>
+        <p:nvPr/>
+      </p:nvGrpSpPr>
+      <p:grpSpPr>
+        <a:xfrm>
+          <a:off x="0" y="0"/>
+          <a:ext cx="0" cy="0"/>
+          <a:chOff x="0" y="0"/>
+          <a:chExt cx="0" cy="0"/>
+        </a:xfrm>
+      </p:grpSpPr>
+      <p:sp>
+        <p:nvSpPr>
+          <p:cNvPr id="2" name="Title 1">
+            <a:extLst>
+              <a:ext uri="{FF2B5EF4-FFF2-40B4-BE49-F238E27FC236}">
+                <a16:creationId xmlns:a16="http://schemas.microsoft.com/office/drawing/2014/main" id="{E9356086-BE05-B01B-10A4-6D1976445E25}"/>
+              </a:ext>
+            </a:extLst>
+          </p:cNvPr>
+          <p:cNvSpPr>
+            <a:spLocks noGrp="1"/>
+          </p:cNvSpPr>
+          <p:nvPr>
+            <p:ph type="title"/>
+          </p:nvPr>
+        </p:nvSpPr>
+        <p:spPr/>
+        <p:txBody>
+          <a:bodyPr/>
+          <a:lstStyle/>
+          <a:p>
+            <a:r>
+              <a:rPr lang="en-US" dirty="0"/>
+              <a:t>Why Squared?</a:t>
+            </a:r>
+          </a:p>
+        </p:txBody>
+      </p:sp>
+      <p:sp>
+        <p:nvSpPr>
+          <p:cNvPr id="3" name="Content Placeholder 2">
+            <a:extLst>
+              <a:ext uri="{FF2B5EF4-FFF2-40B4-BE49-F238E27FC236}">
+                <a16:creationId xmlns:a16="http://schemas.microsoft.com/office/drawing/2014/main" id="{BC34DD8C-2FBC-A875-6B61-74B2788B9CD3}"/>
+              </a:ext>
+            </a:extLst>
+          </p:cNvPr>
+          <p:cNvSpPr>
+            <a:spLocks noGrp="1"/>
+          </p:cNvSpPr>
+          <p:nvPr>
+            <p:ph idx="1"/>
+          </p:nvPr>
+        </p:nvSpPr>
+        <p:spPr>
+          <a:xfrm>
+            <a:off x="1451579" y="2015732"/>
+            <a:ext cx="9603275" cy="4037749"/>
+          </a:xfrm>
+        </p:spPr>
+        <p:txBody>
+          <a:bodyPr>
+            <a:normAutofit lnSpcReduction="10000"/>
+          </a:bodyPr>
+          <a:lstStyle/>
+          <a:p>
+            <a:r>
+              <a:rPr lang="en-US" dirty="0"/>
+              <a:t>The error measures either squared or took the absolute value of the residual. </a:t>
+            </a:r>
+          </a:p>
+          <a:p>
+            <a:r>
+              <a:rPr lang="en-US" dirty="0"/>
+              <a:t>Squaring does a couple of things:</a:t>
+            </a:r>
+          </a:p>
+          <a:p>
+            <a:pPr lvl="1"/>
+            <a:r>
+              <a:rPr lang="en-US" dirty="0"/>
+              <a:t>Eliminates negatives. We get a measure of the magnitude. (MAE* also does this.)</a:t>
+            </a:r>
+          </a:p>
+          <a:p>
+            <a:pPr lvl="1"/>
+            <a:r>
+              <a:rPr lang="en-US" dirty="0"/>
+              <a:t>Penalizes large residuals. </a:t>
+            </a:r>
+          </a:p>
+          <a:p>
+            <a:r>
+              <a:rPr lang="en-US" dirty="0"/>
+              <a:t>Having residuals that are small are good, even though they’ll never be perfect. </a:t>
+            </a:r>
+          </a:p>
+          <a:p>
+            <a:r>
+              <a:rPr lang="en-US" dirty="0"/>
+              <a:t>Having large residuals indicates massive misses. </a:t>
+            </a:r>
+          </a:p>
+          <a:p>
+            <a:r>
+              <a:rPr lang="en-US" dirty="0"/>
+              <a:t>MSE/RMSE tends to reward models without many large residuals. </a:t>
+            </a:r>
+          </a:p>
+          <a:p>
+            <a:pPr lvl="1"/>
+            <a:r>
+              <a:rPr lang="en-US" dirty="0"/>
+              <a:t>Few large misses. </a:t>
+            </a:r>
+          </a:p>
+          <a:p>
+            <a:r>
+              <a:rPr lang="en-US" dirty="0"/>
+              <a:t>*Absolute values make for weird math, which is one reason it is less common. </a:t>
+            </a:r>
+          </a:p>
+        </p:txBody>
+      </p:sp>
+    </p:spTree>
+    <p:extLst>
+      <p:ext uri="{BB962C8B-B14F-4D97-AF65-F5344CB8AC3E}">
+        <p14:creationId xmlns:p14="http://schemas.microsoft.com/office/powerpoint/2010/main" val="3570164820"/>
+      </p:ext>
+    </p:extLst>
+  </p:cSld>
+  <p:clrMapOvr>
+    <a:masterClrMapping/>
+  </p:clrMapOvr>
+</p:sld>
+</file>
+
+<file path=ppt/slides/slide12.xml><?xml version="1.0" encoding="utf-8"?>
+<p:sld xmlns:a="http://schemas.openxmlformats.org/drawingml/2006/main" xmlns:r="http://schemas.openxmlformats.org/officeDocument/2006/relationships" xmlns:p="http://schemas.openxmlformats.org/presentationml/2006/main">
+  <p:cSld>
+    <p:spTree>
+      <p:nvGrpSpPr>
+        <p:cNvPr id="1" name=""/>
+        <p:cNvGrpSpPr/>
+        <p:nvPr/>
+      </p:nvGrpSpPr>
+      <p:grpSpPr>
+        <a:xfrm>
+          <a:off x="0" y="0"/>
+          <a:ext cx="0" cy="0"/>
+          <a:chOff x="0" y="0"/>
+          <a:chExt cx="0" cy="0"/>
+        </a:xfrm>
+      </p:grpSpPr>
+      <p:sp>
+        <p:nvSpPr>
+          <p:cNvPr id="2" name="Title 1">
+            <a:extLst>
+              <a:ext uri="{FF2B5EF4-FFF2-40B4-BE49-F238E27FC236}">
+                <a16:creationId xmlns:a16="http://schemas.microsoft.com/office/drawing/2014/main" id="{0D359CE7-4693-6CD4-9424-CF2757B5ECB0}"/>
+              </a:ext>
+            </a:extLst>
+          </p:cNvPr>
+          <p:cNvSpPr>
+            <a:spLocks noGrp="1"/>
+          </p:cNvSpPr>
+          <p:nvPr>
+            <p:ph type="title"/>
+          </p:nvPr>
+        </p:nvSpPr>
+        <p:spPr/>
+        <p:txBody>
+          <a:bodyPr/>
+          <a:lstStyle/>
+          <a:p>
+            <a:r>
+              <a:rPr lang="en-US" dirty="0"/>
+              <a:t>R-Squared</a:t>
+            </a:r>
+          </a:p>
+        </p:txBody>
+      </p:sp>
+      <p:sp>
+        <p:nvSpPr>
+          <p:cNvPr id="3" name="Content Placeholder 2">
+            <a:extLst>
+              <a:ext uri="{FF2B5EF4-FFF2-40B4-BE49-F238E27FC236}">
+                <a16:creationId xmlns:a16="http://schemas.microsoft.com/office/drawing/2014/main" id="{7B48D358-DB04-D571-BCE4-C0FC85A2E2E6}"/>
+              </a:ext>
+            </a:extLst>
+          </p:cNvPr>
+          <p:cNvSpPr>
+            <a:spLocks noGrp="1"/>
+          </p:cNvSpPr>
+          <p:nvPr>
+            <p:ph idx="1"/>
+          </p:nvPr>
+        </p:nvSpPr>
+        <p:spPr/>
+        <p:txBody>
+          <a:bodyPr/>
+          <a:lstStyle/>
+          <a:p>
+            <a:r>
+              <a:rPr lang="en-US" dirty="0"/>
+              <a:t>R-squared is another measure of model quality. </a:t>
+            </a:r>
+          </a:p>
+          <a:p>
+            <a:pPr lvl="1"/>
+            <a:r>
+              <a:rPr lang="en-US" dirty="0"/>
+              <a:t>Likely to pop-up if searching about this stuff. </a:t>
+            </a:r>
+          </a:p>
+          <a:p>
+            <a:r>
+              <a:rPr lang="en-US" dirty="0"/>
+              <a:t>We’ll deal with it later. </a:t>
+            </a:r>
+          </a:p>
+          <a:p>
+            <a:r>
+              <a:rPr lang="en-US" dirty="0"/>
+              <a:t>It is a measure of “how much” the model captures. </a:t>
+            </a:r>
+          </a:p>
+        </p:txBody>
+      </p:sp>
+    </p:spTree>
+    <p:extLst>
+      <p:ext uri="{BB962C8B-B14F-4D97-AF65-F5344CB8AC3E}">
+        <p14:creationId xmlns:p14="http://schemas.microsoft.com/office/powerpoint/2010/main" val="1528308286"/>
+      </p:ext>
+    </p:extLst>
+  </p:cSld>
+  <p:clrMapOvr>
+    <a:masterClrMapping/>
+  </p:clrMapOvr>
+</p:sld>
+</file>
+
+<file path=ppt/slides/slide13.xml><?xml version="1.0" encoding="utf-8"?>
+<p:sld xmlns:a="http://schemas.openxmlformats.org/drawingml/2006/main" xmlns:r="http://schemas.openxmlformats.org/officeDocument/2006/relationships" xmlns:p="http://schemas.openxmlformats.org/presentationml/2006/main">
+  <p:cSld>
+    <p:spTree>
+      <p:nvGrpSpPr>
+        <p:cNvPr id="1" name=""/>
+        <p:cNvGrpSpPr/>
+        <p:nvPr/>
+      </p:nvGrpSpPr>
+      <p:grpSpPr>
+        <a:xfrm>
+          <a:off x="0" y="0"/>
+          <a:ext cx="0" cy="0"/>
+          <a:chOff x="0" y="0"/>
+          <a:chExt cx="0" cy="0"/>
+        </a:xfrm>
+      </p:grpSpPr>
+      <p:sp>
+        <p:nvSpPr>
+          <p:cNvPr id="2" name="Title 1">
+            <a:extLst>
+              <a:ext uri="{FF2B5EF4-FFF2-40B4-BE49-F238E27FC236}">
+                <a16:creationId xmlns:a16="http://schemas.microsoft.com/office/drawing/2014/main" id="{2568E2FB-8FB8-AFFD-AF14-EB856BEDBEDD}"/>
+              </a:ext>
+            </a:extLst>
+          </p:cNvPr>
+          <p:cNvSpPr>
+            <a:spLocks noGrp="1"/>
+          </p:cNvSpPr>
+          <p:nvPr>
+            <p:ph type="title"/>
+          </p:nvPr>
+        </p:nvSpPr>
+        <p:spPr/>
+        <p:txBody>
+          <a:bodyPr/>
+          <a:lstStyle/>
+          <a:p>
+            <a:r>
+              <a:rPr lang="en-US" dirty="0"/>
+              <a:t>Errors</a:t>
+            </a:r>
+          </a:p>
+        </p:txBody>
+      </p:sp>
+      <p:sp>
+        <p:nvSpPr>
+          <p:cNvPr id="3" name="Content Placeholder 2">
+            <a:extLst>
+              <a:ext uri="{FF2B5EF4-FFF2-40B4-BE49-F238E27FC236}">
+                <a16:creationId xmlns:a16="http://schemas.microsoft.com/office/drawing/2014/main" id="{797A1AE3-CCE9-BAFD-B227-F99A3F0A09DE}"/>
+              </a:ext>
+            </a:extLst>
+          </p:cNvPr>
+          <p:cNvSpPr>
+            <a:spLocks noGrp="1"/>
+          </p:cNvSpPr>
+          <p:nvPr>
+            <p:ph idx="1"/>
+          </p:nvPr>
+        </p:nvSpPr>
+        <p:spPr/>
+        <p:txBody>
+          <a:bodyPr/>
+          <a:lstStyle/>
+          <a:p>
+            <a:r>
+              <a:rPr lang="en-US" dirty="0"/>
+              <a:t>Moving forwards, error is a critical metric for us. </a:t>
+            </a:r>
+          </a:p>
+          <a:p>
+            <a:r>
+              <a:rPr lang="en-US" dirty="0"/>
+              <a:t>We want to build models to make predictions. </a:t>
+            </a:r>
+          </a:p>
+          <a:p>
+            <a:pPr lvl="1"/>
+            <a:r>
+              <a:rPr lang="en-US" dirty="0"/>
+              <a:t>Error indicates how well we are doing. </a:t>
+            </a:r>
+          </a:p>
+          <a:p>
+            <a:r>
+              <a:rPr lang="en-US" dirty="0"/>
+              <a:t>Less error = closer match between expectations and reality. </a:t>
+            </a:r>
+          </a:p>
+          <a:p>
+            <a:endParaRPr lang="en-US" dirty="0"/>
+          </a:p>
+          <a:p>
+            <a:r>
+              <a:rPr lang="en-US" dirty="0"/>
+              <a:t>We’ll build an error calculation from scratch and look at the library functions. </a:t>
+            </a:r>
+          </a:p>
+          <a:p>
+            <a:r>
+              <a:rPr lang="en-US" dirty="0"/>
+              <a:t>This stuff carries over directly to the error calculations we </a:t>
+            </a:r>
+            <a:r>
+              <a:rPr lang="en-US"/>
+              <a:t>need for ML. </a:t>
+            </a:r>
+            <a:endParaRPr lang="en-US" dirty="0"/>
+          </a:p>
+        </p:txBody>
+      </p:sp>
+    </p:spTree>
+    <p:extLst>
+      <p:ext uri="{BB962C8B-B14F-4D97-AF65-F5344CB8AC3E}">
+        <p14:creationId xmlns:p14="http://schemas.microsoft.com/office/powerpoint/2010/main" val="76767667"/>
+      </p:ext>
+    </p:extLst>
+  </p:cSld>
+  <p:clrMapOvr>
+    <a:masterClrMapping/>
+  </p:clrMapOvr>
+</p:sld>
+</file>
+
+<file path=ppt/slides/slide2.xml><?xml version="1.0" encoding="utf-8"?>
+<p:sld xmlns:a="http://schemas.openxmlformats.org/drawingml/2006/main" xmlns:r="http://schemas.openxmlformats.org/officeDocument/2006/relationships" xmlns:p="http://schemas.openxmlformats.org/presentationml/2006/main">
+  <p:cSld>
+    <p:spTree>
+      <p:nvGrpSpPr>
+        <p:cNvPr id="1" name=""/>
+        <p:cNvGrpSpPr/>
+        <p:nvPr/>
+      </p:nvGrpSpPr>
+      <p:grpSpPr>
+        <a:xfrm>
+          <a:off x="0" y="0"/>
+          <a:ext cx="0" cy="0"/>
+          <a:chOff x="0" y="0"/>
+          <a:chExt cx="0" cy="0"/>
+        </a:xfrm>
+      </p:grpSpPr>
+      <p:sp>
+        <p:nvSpPr>
+          <p:cNvPr id="2" name="Title 1">
+            <a:extLst>
+              <a:ext uri="{FF2B5EF4-FFF2-40B4-BE49-F238E27FC236}">
+                <a16:creationId xmlns:a16="http://schemas.microsoft.com/office/drawing/2014/main" id="{3E306A6D-B04D-DFFC-21B2-BD44396FA49F}"/>
+              </a:ext>
+            </a:extLst>
+          </p:cNvPr>
+          <p:cNvSpPr>
+            <a:spLocks noGrp="1"/>
+          </p:cNvSpPr>
+          <p:nvPr>
+            <p:ph type="ctrTitle"/>
+          </p:nvPr>
+        </p:nvSpPr>
+        <p:spPr/>
+        <p:txBody>
+          <a:bodyPr/>
+          <a:lstStyle/>
+          <a:p>
+            <a:r>
+              <a:rPr lang="en-US" dirty="0"/>
+              <a:t>Errors</a:t>
+            </a:r>
+          </a:p>
+        </p:txBody>
+      </p:sp>
+      <p:sp>
+        <p:nvSpPr>
+          <p:cNvPr id="3" name="Subtitle 2">
+            <a:extLst>
+              <a:ext uri="{FF2B5EF4-FFF2-40B4-BE49-F238E27FC236}">
+                <a16:creationId xmlns:a16="http://schemas.microsoft.com/office/drawing/2014/main" id="{55636125-717A-D5AD-1708-CB7F24EC715A}"/>
+              </a:ext>
+            </a:extLst>
+          </p:cNvPr>
+          <p:cNvSpPr>
+            <a:spLocks noGrp="1"/>
+          </p:cNvSpPr>
+          <p:nvPr>
+            <p:ph type="subTitle" idx="1"/>
+          </p:nvPr>
+        </p:nvSpPr>
+        <p:spPr/>
+        <p:txBody>
+          <a:bodyPr/>
+          <a:lstStyle/>
+          <a:p>
+            <a:endParaRPr lang="en-US"/>
+          </a:p>
+        </p:txBody>
+      </p:sp>
+    </p:spTree>
+    <p:extLst>
+      <p:ext uri="{BB962C8B-B14F-4D97-AF65-F5344CB8AC3E}">
+        <p14:creationId xmlns:p14="http://schemas.microsoft.com/office/powerpoint/2010/main" val="2329615472"/>
+      </p:ext>
+    </p:extLst>
+  </p:cSld>
+  <p:clrMapOvr>
+    <a:masterClrMapping/>
+  </p:clrMapOvr>
+</p:sld>
+</file>
+
+<file path=ppt/slides/slide3.xml><?xml version="1.0" encoding="utf-8"?>
+<p:sld xmlns:a="http://schemas.openxmlformats.org/drawingml/2006/main" xmlns:r="http://schemas.openxmlformats.org/officeDocument/2006/relationships" xmlns:p="http://schemas.openxmlformats.org/presentationml/2006/main">
+  <p:cSld>
+    <p:spTree>
+      <p:nvGrpSpPr>
+        <p:cNvPr id="1" name=""/>
+        <p:cNvGrpSpPr/>
+        <p:nvPr/>
+      </p:nvGrpSpPr>
+      <p:grpSpPr>
+        <a:xfrm>
+          <a:off x="0" y="0"/>
+          <a:ext cx="0" cy="0"/>
+          <a:chOff x="0" y="0"/>
+          <a:chExt cx="0" cy="0"/>
+        </a:xfrm>
+      </p:grpSpPr>
+      <p:sp>
+        <p:nvSpPr>
+          <p:cNvPr id="2" name="Title 1">
+            <a:extLst>
+              <a:ext uri="{FF2B5EF4-FFF2-40B4-BE49-F238E27FC236}">
+                <a16:creationId xmlns:a16="http://schemas.microsoft.com/office/drawing/2014/main" id="{8E6D282D-5B87-7E8C-8634-093003DF86FC}"/>
+              </a:ext>
+            </a:extLst>
+          </p:cNvPr>
+          <p:cNvSpPr>
+            <a:spLocks noGrp="1"/>
+          </p:cNvSpPr>
+          <p:nvPr>
+            <p:ph type="title"/>
+          </p:nvPr>
+        </p:nvSpPr>
+        <p:spPr/>
+        <p:txBody>
+          <a:bodyPr/>
+          <a:lstStyle/>
+          <a:p>
+            <a:r>
+              <a:rPr lang="en-US" dirty="0"/>
+              <a:t>Data and Estimates</a:t>
+            </a:r>
+          </a:p>
+        </p:txBody>
+      </p:sp>
+      <p:sp>
+        <p:nvSpPr>
+          <p:cNvPr id="3" name="Content Placeholder 2">
+            <a:extLst>
+              <a:ext uri="{FF2B5EF4-FFF2-40B4-BE49-F238E27FC236}">
+                <a16:creationId xmlns:a16="http://schemas.microsoft.com/office/drawing/2014/main" id="{67463E60-3095-93ED-90BF-C18284B88227}"/>
+              </a:ext>
+            </a:extLst>
+          </p:cNvPr>
+          <p:cNvSpPr>
+            <a:spLocks noGrp="1"/>
+          </p:cNvSpPr>
+          <p:nvPr>
+            <p:ph idx="1"/>
+          </p:nvPr>
+        </p:nvSpPr>
+        <p:spPr>
+          <a:xfrm>
+            <a:off x="1451579" y="2015732"/>
+            <a:ext cx="9603275" cy="4037749"/>
+          </a:xfrm>
+        </p:spPr>
+        <p:txBody>
+          <a:bodyPr/>
+          <a:lstStyle/>
+          <a:p>
+            <a:r>
+              <a:rPr lang="en-US" dirty="0"/>
+              <a:t>So far we’ve looked at two main types of ”things”:</a:t>
+            </a:r>
+          </a:p>
+          <a:p>
+            <a:pPr lvl="1"/>
+            <a:r>
+              <a:rPr lang="en-US" dirty="0"/>
+              <a:t>Empirical data – real values. Generally a sample of a population. </a:t>
+            </a:r>
+          </a:p>
+          <a:p>
+            <a:pPr lvl="1"/>
+            <a:r>
+              <a:rPr lang="en-US" dirty="0"/>
+              <a:t>Models – a representation of some data. Analytical distributions and the line of best fit (regression line) are both models. </a:t>
+            </a:r>
+          </a:p>
+          <a:p>
+            <a:r>
+              <a:rPr lang="en-US" dirty="0"/>
+              <a:t>A model is a simplified representation of the data. </a:t>
+            </a:r>
+          </a:p>
+          <a:p>
+            <a:r>
+              <a:rPr lang="en-US" dirty="0"/>
+              <a:t>How good is a model? So far,  we’ve mainly looked to eyeball it.</a:t>
+            </a:r>
+          </a:p>
+          <a:p>
+            <a:r>
+              <a:rPr lang="en-US" dirty="0"/>
+              <a:t>The models always differ from the empirical data somewhat.  </a:t>
+            </a:r>
+          </a:p>
+          <a:p>
+            <a:r>
+              <a:rPr lang="en-US" dirty="0"/>
+              <a:t>We want to use our models to make predictions:</a:t>
+            </a:r>
+          </a:p>
+          <a:p>
+            <a:pPr lvl="1"/>
+            <a:r>
+              <a:rPr lang="en-US" dirty="0"/>
+              <a:t>If we do, how can we measure if those predictions are accurate?</a:t>
+            </a:r>
+          </a:p>
+        </p:txBody>
+      </p:sp>
+    </p:spTree>
+    <p:extLst>
+      <p:ext uri="{BB962C8B-B14F-4D97-AF65-F5344CB8AC3E}">
+        <p14:creationId xmlns:p14="http://schemas.microsoft.com/office/powerpoint/2010/main" val="3876072000"/>
+      </p:ext>
+    </p:extLst>
+  </p:cSld>
+  <p:clrMapOvr>
+    <a:masterClrMapping/>
+  </p:clrMapOvr>
+</p:sld>
+</file>
+
+<file path=ppt/slides/slide4.xml><?xml version="1.0" encoding="utf-8"?>
+<p:sld xmlns:a="http://schemas.openxmlformats.org/drawingml/2006/main" xmlns:r="http://schemas.openxmlformats.org/officeDocument/2006/relationships" xmlns:p="http://schemas.openxmlformats.org/presentationml/2006/main">
+  <p:cSld>
+    <p:spTree>
+      <p:nvGrpSpPr>
+        <p:cNvPr id="1" name=""/>
+        <p:cNvGrpSpPr/>
+        <p:nvPr/>
+      </p:nvGrpSpPr>
+      <p:grpSpPr>
+        <a:xfrm>
+          <a:off x="0" y="0"/>
+          <a:ext cx="0" cy="0"/>
+          <a:chOff x="0" y="0"/>
+          <a:chExt cx="0" cy="0"/>
+        </a:xfrm>
+      </p:grpSpPr>
+      <p:pic>
+        <p:nvPicPr>
+          <p:cNvPr id="4" name="Picture 3">
+            <a:extLst>
+              <a:ext uri="{FF2B5EF4-FFF2-40B4-BE49-F238E27FC236}">
+                <a16:creationId xmlns:a16="http://schemas.microsoft.com/office/drawing/2014/main" id="{1C74B564-B911-8B2C-FDD8-1DE6652204A5}"/>
+              </a:ext>
+            </a:extLst>
+          </p:cNvPr>
+          <p:cNvPicPr>
+            <a:picLocks noChangeAspect="1"/>
+          </p:cNvPicPr>
+          <p:nvPr/>
+        </p:nvPicPr>
+        <p:blipFill>
+          <a:blip r:embed="rId2"/>
+          <a:stretch>
+            <a:fillRect/>
+          </a:stretch>
+        </p:blipFill>
+        <p:spPr>
+          <a:xfrm>
+            <a:off x="764519" y="-22182"/>
+            <a:ext cx="10662962" cy="6902364"/>
+          </a:xfrm>
+          <a:prstGeom prst="rect">
+            <a:avLst/>
+          </a:prstGeom>
+        </p:spPr>
+      </p:pic>
+    </p:spTree>
+    <p:extLst>
+      <p:ext uri="{BB962C8B-B14F-4D97-AF65-F5344CB8AC3E}">
+        <p14:creationId xmlns:p14="http://schemas.microsoft.com/office/powerpoint/2010/main" val="1434053830"/>
+      </p:ext>
+    </p:extLst>
+  </p:cSld>
+  <p:clrMapOvr>
+    <a:masterClrMapping/>
+  </p:clrMapOvr>
+</p:sld>
+</file>
+
+<file path=ppt/slides/slide5.xml><?xml version="1.0" encoding="utf-8"?>
+<p:sld xmlns:a="http://schemas.openxmlformats.org/drawingml/2006/main" xmlns:r="http://schemas.openxmlformats.org/officeDocument/2006/relationships" xmlns:p="http://schemas.openxmlformats.org/presentationml/2006/main">
+  <p:cSld>
+    <p:spTree>
+      <p:nvGrpSpPr>
+        <p:cNvPr id="1" name=""/>
+        <p:cNvGrpSpPr/>
+        <p:nvPr/>
+      </p:nvGrpSpPr>
+      <p:grpSpPr>
+        <a:xfrm>
+          <a:off x="0" y="0"/>
+          <a:ext cx="0" cy="0"/>
+          <a:chOff x="0" y="0"/>
+          <a:chExt cx="0" cy="0"/>
+        </a:xfrm>
+      </p:grpSpPr>
+      <p:sp>
+        <p:nvSpPr>
+          <p:cNvPr id="2" name="Title 1">
+            <a:extLst>
+              <a:ext uri="{FF2B5EF4-FFF2-40B4-BE49-F238E27FC236}">
+                <a16:creationId xmlns:a16="http://schemas.microsoft.com/office/drawing/2014/main" id="{482C6352-913A-80C4-CF7E-B8EC17246DCA}"/>
+              </a:ext>
+            </a:extLst>
+          </p:cNvPr>
+          <p:cNvSpPr>
+            <a:spLocks noGrp="1"/>
+          </p:cNvSpPr>
+          <p:nvPr>
+            <p:ph type="title"/>
+          </p:nvPr>
+        </p:nvSpPr>
+        <p:spPr/>
+        <p:txBody>
+          <a:bodyPr/>
+          <a:lstStyle/>
+          <a:p>
+            <a:r>
+              <a:rPr lang="en-US" dirty="0"/>
+              <a:t>Errors</a:t>
+            </a:r>
+          </a:p>
+        </p:txBody>
+      </p:sp>
+      <p:sp>
+        <p:nvSpPr>
+          <p:cNvPr id="3" name="Content Placeholder 2">
+            <a:extLst>
+              <a:ext uri="{FF2B5EF4-FFF2-40B4-BE49-F238E27FC236}">
+                <a16:creationId xmlns:a16="http://schemas.microsoft.com/office/drawing/2014/main" id="{95389208-C1D8-D820-95A6-46333A5231BD}"/>
+              </a:ext>
+            </a:extLst>
+          </p:cNvPr>
+          <p:cNvSpPr>
+            <a:spLocks noGrp="1"/>
+          </p:cNvSpPr>
+          <p:nvPr>
+            <p:ph idx="1"/>
+          </p:nvPr>
+        </p:nvSpPr>
+        <p:spPr>
+          <a:xfrm>
+            <a:off x="1451579" y="2015732"/>
+            <a:ext cx="9603275" cy="4037749"/>
+          </a:xfrm>
+        </p:spPr>
+        <p:txBody>
+          <a:bodyPr/>
+          <a:lstStyle/>
+          <a:p>
+            <a:r>
+              <a:rPr lang="en-US" dirty="0"/>
+              <a:t>When matching empirical data to analytical distributions our match is never perfect. </a:t>
+            </a:r>
+          </a:p>
+          <a:p>
+            <a:r>
+              <a:rPr lang="en-US" dirty="0"/>
+              <a:t>Each point is “off” the analytical distribution by some amount. </a:t>
+            </a:r>
+          </a:p>
+          <a:p>
+            <a:r>
+              <a:rPr lang="en-US" dirty="0"/>
+              <a:t>The less the total amount of “off” is, the more closely matched the distribution. </a:t>
+            </a:r>
+          </a:p>
+          <a:p>
+            <a:endParaRPr lang="en-US" dirty="0"/>
+          </a:p>
+          <a:p>
+            <a:r>
+              <a:rPr lang="en-US" dirty="0"/>
+              <a:t>Predictions work the same way:</a:t>
+            </a:r>
+          </a:p>
+          <a:p>
+            <a:pPr lvl="1"/>
+            <a:r>
+              <a:rPr lang="en-US" dirty="0"/>
+              <a:t>Predict what a value should be. </a:t>
+            </a:r>
+          </a:p>
+          <a:p>
+            <a:pPr lvl="1"/>
+            <a:r>
+              <a:rPr lang="en-US" dirty="0"/>
+              <a:t>Measure our error.</a:t>
+            </a:r>
+          </a:p>
+          <a:p>
+            <a:pPr lvl="1"/>
+            <a:r>
+              <a:rPr lang="en-US" dirty="0"/>
+              <a:t>Summarize these errors to estimate overall accuracy. </a:t>
+            </a:r>
+          </a:p>
+        </p:txBody>
+      </p:sp>
+    </p:spTree>
+    <p:extLst>
+      <p:ext uri="{BB962C8B-B14F-4D97-AF65-F5344CB8AC3E}">
+        <p14:creationId xmlns:p14="http://schemas.microsoft.com/office/powerpoint/2010/main" val="3134869059"/>
+      </p:ext>
+    </p:extLst>
+  </p:cSld>
+  <p:clrMapOvr>
+    <a:masterClrMapping/>
+  </p:clrMapOvr>
+</p:sld>
+</file>
+
+<file path=ppt/slides/slide6.xml><?xml version="1.0" encoding="utf-8"?>
+<p:sld xmlns:a="http://schemas.openxmlformats.org/drawingml/2006/main" xmlns:r="http://schemas.openxmlformats.org/officeDocument/2006/relationships" xmlns:p="http://schemas.openxmlformats.org/presentationml/2006/main">
+  <p:cSld>
+    <p:spTree>
+      <p:nvGrpSpPr>
+        <p:cNvPr id="1" name=""/>
+        <p:cNvGrpSpPr/>
+        <p:nvPr/>
+      </p:nvGrpSpPr>
+      <p:grpSpPr>
+        <a:xfrm>
+          <a:off x="0" y="0"/>
+          <a:ext cx="0" cy="0"/>
+          <a:chOff x="0" y="0"/>
+          <a:chExt cx="0" cy="0"/>
+        </a:xfrm>
+      </p:grpSpPr>
+      <p:sp>
+        <p:nvSpPr>
+          <p:cNvPr id="2" name="Title 1">
+            <a:extLst>
+              <a:ext uri="{FF2B5EF4-FFF2-40B4-BE49-F238E27FC236}">
+                <a16:creationId xmlns:a16="http://schemas.microsoft.com/office/drawing/2014/main" id="{26EF6B96-4AC2-5366-6E64-4FCABD653C4B}"/>
+              </a:ext>
+            </a:extLst>
+          </p:cNvPr>
+          <p:cNvSpPr>
+            <a:spLocks noGrp="1"/>
+          </p:cNvSpPr>
+          <p:nvPr>
+            <p:ph type="title"/>
+          </p:nvPr>
+        </p:nvSpPr>
+        <p:spPr/>
+        <p:txBody>
+          <a:bodyPr/>
+          <a:lstStyle/>
+          <a:p>
+            <a:r>
+              <a:rPr lang="en-US" dirty="0"/>
+              <a:t>Residuals</a:t>
+            </a:r>
+          </a:p>
+        </p:txBody>
+      </p:sp>
+      <p:sp>
+        <p:nvSpPr>
+          <p:cNvPr id="3" name="Content Placeholder 2">
+            <a:extLst>
+              <a:ext uri="{FF2B5EF4-FFF2-40B4-BE49-F238E27FC236}">
+                <a16:creationId xmlns:a16="http://schemas.microsoft.com/office/drawing/2014/main" id="{5F735C24-FC39-2D6E-5A15-E5DC7C3D6B7D}"/>
+              </a:ext>
+            </a:extLst>
+          </p:cNvPr>
+          <p:cNvSpPr>
+            <a:spLocks noGrp="1"/>
+          </p:cNvSpPr>
+          <p:nvPr>
+            <p:ph idx="1"/>
+          </p:nvPr>
+        </p:nvSpPr>
+        <p:spPr>
+          <a:xfrm>
+            <a:off x="111513" y="2015732"/>
+            <a:ext cx="4761570" cy="4037749"/>
+          </a:xfrm>
+        </p:spPr>
+        <p:txBody>
+          <a:bodyPr/>
+          <a:lstStyle/>
+          <a:p>
+            <a:r>
+              <a:rPr lang="en-US" dirty="0"/>
+              <a:t>A residual is how much one prediction is off from reality. </a:t>
+            </a:r>
+          </a:p>
+          <a:p>
+            <a:r>
+              <a:rPr lang="en-US" dirty="0"/>
+              <a:t>Each point in our data has its own residual – how “off” was the model vs that real value. </a:t>
+            </a:r>
+          </a:p>
+          <a:p>
+            <a:r>
+              <a:rPr lang="en-US" dirty="0"/>
+              <a:t>Here – </a:t>
+            </a:r>
+            <a:r>
+              <a:rPr lang="en-US" dirty="0" err="1"/>
+              <a:t>LoBF</a:t>
+            </a:r>
+            <a:r>
+              <a:rPr lang="en-US" dirty="0"/>
+              <a:t> is a prediction. </a:t>
+            </a:r>
+          </a:p>
+          <a:p>
+            <a:r>
+              <a:rPr lang="en-US" dirty="0"/>
+              <a:t>Next – Analytical model is a prediction. </a:t>
+            </a:r>
+          </a:p>
+        </p:txBody>
+      </p:sp>
+      <p:pic>
+        <p:nvPicPr>
+          <p:cNvPr id="4" name="Picture 3">
+            <a:extLst>
+              <a:ext uri="{FF2B5EF4-FFF2-40B4-BE49-F238E27FC236}">
+                <a16:creationId xmlns:a16="http://schemas.microsoft.com/office/drawing/2014/main" id="{D38F8C1F-A22D-924B-1803-6143A067A40C}"/>
+              </a:ext>
+            </a:extLst>
+          </p:cNvPr>
+          <p:cNvPicPr>
+            <a:picLocks noChangeAspect="1"/>
+          </p:cNvPicPr>
+          <p:nvPr/>
+        </p:nvPicPr>
+        <p:blipFill>
+          <a:blip r:embed="rId2"/>
+          <a:stretch>
+            <a:fillRect/>
+          </a:stretch>
+        </p:blipFill>
+        <p:spPr>
+          <a:xfrm>
+            <a:off x="4999492" y="1853754"/>
+            <a:ext cx="7140571" cy="4848129"/>
+          </a:xfrm>
+          <a:prstGeom prst="rect">
+            <a:avLst/>
+          </a:prstGeom>
+        </p:spPr>
+      </p:pic>
+    </p:spTree>
+    <p:extLst>
+      <p:ext uri="{BB962C8B-B14F-4D97-AF65-F5344CB8AC3E}">
+        <p14:creationId xmlns:p14="http://schemas.microsoft.com/office/powerpoint/2010/main" val="3811981501"/>
+      </p:ext>
+    </p:extLst>
+  </p:cSld>
+  <p:clrMapOvr>
+    <a:masterClrMapping/>
+  </p:clrMapOvr>
+</p:sld>
+</file>
+
 <file path=ppt/slides/slide7.xml><?xml version="1.0" encoding="utf-8"?>
 <p:sld xmlns:a="http://schemas.openxmlformats.org/drawingml/2006/main" xmlns:r="http://schemas.openxmlformats.org/officeDocument/2006/relationships" xmlns:p="http://schemas.openxmlformats.org/presentationml/2006/main">
   <p:cSld>
@@ -4447,7 +4927,7 @@
           <p:cNvPr id="2" name="Title 1">
             <a:extLst>
               <a:ext uri="{FF2B5EF4-FFF2-40B4-BE49-F238E27FC236}">
-                <a16:creationId xmlns:a16="http://schemas.microsoft.com/office/drawing/2014/main" id="{E9356086-BE05-B01B-10A4-6D1976445E25}"/>
+                <a16:creationId xmlns:a16="http://schemas.microsoft.com/office/drawing/2014/main" id="{41AFA2BA-264D-E3CA-EB08-A9F10BFD3E54}"/>
               </a:ext>
             </a:extLst>
           </p:cNvPr>
@@ -4465,7 +4945,7 @@
           <a:p>
             <a:r>
               <a:rPr lang="en-US" dirty="0"/>
-              <a:t>Why Squared?</a:t>
+              <a:t>In Analytical Distributions</a:t>
             </a:r>
           </a:p>
         </p:txBody>
@@ -4475,7 +4955,7 @@
           <p:cNvPr id="3" name="Content Placeholder 2">
             <a:extLst>
               <a:ext uri="{FF2B5EF4-FFF2-40B4-BE49-F238E27FC236}">
-                <a16:creationId xmlns:a16="http://schemas.microsoft.com/office/drawing/2014/main" id="{BC34DD8C-2FBC-A875-6B61-74B2788B9CD3}"/>
+                <a16:creationId xmlns:a16="http://schemas.microsoft.com/office/drawing/2014/main" id="{14E14678-FC62-6CF2-A4FF-346E8C4DC145}"/>
               </a:ext>
             </a:extLst>
           </p:cNvPr>
@@ -4488,70 +4968,74 @@
         </p:nvSpPr>
         <p:spPr>
           <a:xfrm>
-            <a:off x="1451579" y="2015732"/>
-            <a:ext cx="9603275" cy="4037749"/>
+            <a:off x="1020199" y="2015732"/>
+            <a:ext cx="10034656" cy="3450613"/>
           </a:xfrm>
         </p:spPr>
         <p:txBody>
-          <a:bodyPr>
-            <a:normAutofit lnSpcReduction="10000"/>
-          </a:bodyPr>
-          <a:lstStyle/>
-          <a:p>
-            <a:r>
-              <a:rPr lang="en-US" dirty="0"/>
-              <a:t>The error measures either squared or took the absolute value of the residual. </a:t>
-            </a:r>
-          </a:p>
-          <a:p>
-            <a:r>
-              <a:rPr lang="en-US" dirty="0"/>
-              <a:t>Squaring does a couple of things:</a:t>
+          <a:bodyPr/>
+          <a:lstStyle/>
+          <a:p>
+            <a:r>
+              <a:rPr lang="en-US" dirty="0"/>
+              <a:t>The idea of error works in the same way when matching empirical vs analytical distributions.</a:t>
             </a:r>
           </a:p>
           <a:p>
             <a:pPr lvl="1"/>
             <a:r>
               <a:rPr lang="en-US" dirty="0"/>
-              <a:t>Eliminates negatives. We get a measure of the magnitude. (MAE* also does this.)</a:t>
+              <a:t>Empirical is the real data. </a:t>
             </a:r>
           </a:p>
           <a:p>
             <a:pPr lvl="1"/>
             <a:r>
               <a:rPr lang="en-US" dirty="0"/>
-              <a:t>Penalizes large residuals. </a:t>
-            </a:r>
-          </a:p>
-          <a:p>
-            <a:r>
-              <a:rPr lang="en-US" dirty="0"/>
-              <a:t>Having residuals that are small are good, even though they’ll never be perfect. </a:t>
-            </a:r>
-          </a:p>
-          <a:p>
-            <a:r>
-              <a:rPr lang="en-US" dirty="0"/>
-              <a:t>Having large residuals indicates massive misses. </a:t>
-            </a:r>
-          </a:p>
-          <a:p>
-            <a:r>
-              <a:rPr lang="en-US" dirty="0"/>
-              <a:t>MSE/RMSE tends to reward models without many large residuals. </a:t>
+              <a:t>The analytical distribution is the prediction.</a:t>
+            </a:r>
+          </a:p>
+          <a:p>
+            <a:r>
+              <a:rPr lang="en-US" dirty="0"/>
+              <a:t>E.g. Consider matching a lognormal looking distribution to the </a:t>
+            </a:r>
+            <a:r>
+              <a:rPr lang="en-US" dirty="0" err="1"/>
+              <a:t>lognorm</a:t>
+            </a:r>
+            <a:r>
+              <a:rPr lang="en-US" dirty="0"/>
+              <a:t> analytical one:</a:t>
             </a:r>
           </a:p>
           <a:p>
             <a:pPr lvl="1"/>
             <a:r>
               <a:rPr lang="en-US" dirty="0"/>
-              <a:t>Few large misses. </a:t>
-            </a:r>
-          </a:p>
-          <a:p>
-            <a:r>
-              <a:rPr lang="en-US" dirty="0"/>
-              <a:t>*Absolute values make for weird math, which is one reason it is less common. </a:t>
+              <a:t>Empirical data tells us how many values we have in a bin. </a:t>
+            </a:r>
+          </a:p>
+          <a:p>
+            <a:pPr lvl="1"/>
+            <a:r>
+              <a:rPr lang="en-US" dirty="0"/>
+              <a:t>The analytical distribution tells us how many we expect (if the data follows that </a:t>
+            </a:r>
+            <a:r>
+              <a:rPr lang="en-US" dirty="0" err="1"/>
+              <a:t>dist</a:t>
+            </a:r>
+            <a:r>
+              <a:rPr lang="en-US" dirty="0"/>
+              <a:t>). </a:t>
+            </a:r>
+          </a:p>
+          <a:p>
+            <a:pPr lvl="1"/>
+            <a:r>
+              <a:rPr lang="en-US" dirty="0"/>
+              <a:t>The difference between the two is the residual, or amount of error. </a:t>
             </a:r>
           </a:p>
         </p:txBody>
@@ -4559,7 +5043,7 @@
     </p:spTree>
     <p:extLst>
       <p:ext uri="{BB962C8B-B14F-4D97-AF65-F5344CB8AC3E}">
-        <p14:creationId xmlns:p14="http://schemas.microsoft.com/office/powerpoint/2010/main" val="3570164820"/>
+        <p14:creationId xmlns:p14="http://schemas.microsoft.com/office/powerpoint/2010/main" val="193075141"/>
       </p:ext>
     </p:extLst>
   </p:cSld>
@@ -4591,7 +5075,7 @@
           <p:cNvPr id="2" name="Title 1">
             <a:extLst>
               <a:ext uri="{FF2B5EF4-FFF2-40B4-BE49-F238E27FC236}">
-                <a16:creationId xmlns:a16="http://schemas.microsoft.com/office/drawing/2014/main" id="{0D359CE7-4693-6CD4-9424-CF2757B5ECB0}"/>
+                <a16:creationId xmlns:a16="http://schemas.microsoft.com/office/drawing/2014/main" id="{D9EE0CC7-13E3-E839-CD79-3E2C824204A1}"/>
               </a:ext>
             </a:extLst>
           </p:cNvPr>
@@ -4607,10 +5091,7 @@
           <a:bodyPr/>
           <a:lstStyle/>
           <a:p>
-            <a:r>
-              <a:rPr lang="en-US" dirty="0"/>
-              <a:t>R-Squared</a:t>
-            </a:r>
+            <a:endParaRPr lang="en-US"/>
           </a:p>
         </p:txBody>
       </p:sp>
@@ -4619,7 +5100,7 @@
           <p:cNvPr id="3" name="Content Placeholder 2">
             <a:extLst>
               <a:ext uri="{FF2B5EF4-FFF2-40B4-BE49-F238E27FC236}">
-                <a16:creationId xmlns:a16="http://schemas.microsoft.com/office/drawing/2014/main" id="{7B48D358-DB04-D571-BCE4-C0FC85A2E2E6}"/>
+                <a16:creationId xmlns:a16="http://schemas.microsoft.com/office/drawing/2014/main" id="{E018A355-9E85-BB63-D825-EB997BE32FE4}"/>
               </a:ext>
             </a:extLst>
           </p:cNvPr>
@@ -4635,36 +5116,44 @@
           <a:bodyPr/>
           <a:lstStyle/>
           <a:p>
-            <a:r>
-              <a:rPr lang="en-US" dirty="0"/>
-              <a:t>R-squared is another measure of model quality. </a:t>
-            </a:r>
-          </a:p>
-          <a:p>
-            <a:pPr lvl="1"/>
-            <a:r>
-              <a:rPr lang="en-US" dirty="0"/>
-              <a:t>Likely to pop-up if searching about this stuff. </a:t>
-            </a:r>
-          </a:p>
-          <a:p>
-            <a:r>
-              <a:rPr lang="en-US" dirty="0"/>
-              <a:t>We’ll deal with it later. </a:t>
-            </a:r>
-          </a:p>
-          <a:p>
-            <a:r>
-              <a:rPr lang="en-US" dirty="0"/>
-              <a:t>It is a measure of “how much” the model captures. </a:t>
-            </a:r>
-          </a:p>
-        </p:txBody>
-      </p:sp>
+            <a:endParaRPr lang="en-US"/>
+          </a:p>
+        </p:txBody>
+      </p:sp>
+      <p:pic>
+        <p:nvPicPr>
+          <p:cNvPr id="4" name="Picture 3">
+            <a:extLst>
+              <a:ext uri="{FF2B5EF4-FFF2-40B4-BE49-F238E27FC236}">
+                <a16:creationId xmlns:a16="http://schemas.microsoft.com/office/drawing/2014/main" id="{016E9D6D-B1E0-2455-A1E9-5F23DFE4B619}"/>
+              </a:ext>
+            </a:extLst>
+          </p:cNvPr>
+          <p:cNvPicPr>
+            <a:picLocks noChangeAspect="1"/>
+          </p:cNvPicPr>
+          <p:nvPr/>
+        </p:nvPicPr>
+        <p:blipFill>
+          <a:blip r:embed="rId2"/>
+          <a:stretch>
+            <a:fillRect/>
+          </a:stretch>
+        </p:blipFill>
+        <p:spPr>
+          <a:xfrm>
+            <a:off x="1137146" y="0"/>
+            <a:ext cx="9917708" cy="6892496"/>
+          </a:xfrm>
+          <a:prstGeom prst="rect">
+            <a:avLst/>
+          </a:prstGeom>
+        </p:spPr>
+      </p:pic>
     </p:spTree>
     <p:extLst>
       <p:ext uri="{BB962C8B-B14F-4D97-AF65-F5344CB8AC3E}">
-        <p14:creationId xmlns:p14="http://schemas.microsoft.com/office/powerpoint/2010/main" val="1528308286"/>
+        <p14:creationId xmlns:p14="http://schemas.microsoft.com/office/powerpoint/2010/main" val="3720487206"/>
       </p:ext>
     </p:extLst>
   </p:cSld>
@@ -4696,7 +5185,7 @@
           <p:cNvPr id="2" name="Title 1">
             <a:extLst>
               <a:ext uri="{FF2B5EF4-FFF2-40B4-BE49-F238E27FC236}">
-                <a16:creationId xmlns:a16="http://schemas.microsoft.com/office/drawing/2014/main" id="{2568E2FB-8FB8-AFFD-AF14-EB856BEDBEDD}"/>
+                <a16:creationId xmlns:a16="http://schemas.microsoft.com/office/drawing/2014/main" id="{7EF9860B-DFF8-D259-8D4D-4227B9F0AE3A}"/>
               </a:ext>
             </a:extLst>
           </p:cNvPr>
@@ -4714,7 +5203,7 @@
           <a:p>
             <a:r>
               <a:rPr lang="en-US" dirty="0"/>
-              <a:t>Errors</a:t>
+              <a:t>Calculating Residuals</a:t>
             </a:r>
           </a:p>
         </p:txBody>
@@ -4724,7 +5213,7 @@
           <p:cNvPr id="3" name="Content Placeholder 2">
             <a:extLst>
               <a:ext uri="{FF2B5EF4-FFF2-40B4-BE49-F238E27FC236}">
-                <a16:creationId xmlns:a16="http://schemas.microsoft.com/office/drawing/2014/main" id="{797A1AE3-CCE9-BAFD-B227-F99A3F0A09DE}"/>
+                <a16:creationId xmlns:a16="http://schemas.microsoft.com/office/drawing/2014/main" id="{377B42DD-CEC8-F15F-D887-AE5B66FD5DA7}"/>
               </a:ext>
             </a:extLst>
           </p:cNvPr>
@@ -4735,35 +5224,106 @@
             <p:ph idx="1"/>
           </p:nvPr>
         </p:nvSpPr>
-        <p:spPr/>
-        <p:txBody>
-          <a:bodyPr/>
-          <a:lstStyle/>
-          <a:p>
-            <a:r>
-              <a:rPr lang="en-US" dirty="0"/>
-              <a:t>Moving forwards, error is a critical metric for us. </a:t>
-            </a:r>
-          </a:p>
-          <a:p>
-            <a:r>
-              <a:rPr lang="en-US" dirty="0"/>
-              <a:t>We want to build models to make predictions. </a:t>
+        <p:spPr>
+          <a:xfrm>
+            <a:off x="181369" y="2015732"/>
+            <a:ext cx="4080793" cy="4120572"/>
+          </a:xfrm>
+        </p:spPr>
+        <p:txBody>
+          <a:bodyPr>
+            <a:normAutofit/>
+          </a:bodyPr>
+          <a:lstStyle/>
+          <a:p>
+            <a:r>
+              <a:rPr lang="en-US" dirty="0"/>
+              <a:t>If we have an expectation (analytical model, ML prediction, guess) and a true (empirical) value, we can calculate the residual. </a:t>
+            </a:r>
+          </a:p>
+          <a:p>
+            <a:r>
+              <a:rPr lang="en-US" dirty="0"/>
+              <a:t>At each empirical point, how accurate is the model? </a:t>
+            </a:r>
+          </a:p>
+          <a:p>
+            <a:r>
+              <a:rPr lang="en-US" dirty="0"/>
+              <a:t>We get one residual for each row of data (point):</a:t>
             </a:r>
           </a:p>
           <a:p>
             <a:pPr lvl="1"/>
             <a:r>
-              <a:rPr lang="en-US" dirty="0"/>
-              <a:t>Error indicates how well we are doing. </a:t>
-            </a:r>
-          </a:p>
-        </p:txBody>
-      </p:sp>
+              <a:rPr lang="en-US" dirty="0" err="1"/>
+              <a:t>Y_predicted</a:t>
+            </a:r>
+            <a:r>
+              <a:rPr lang="en-US" dirty="0"/>
+              <a:t> – </a:t>
+            </a:r>
+            <a:r>
+              <a:rPr lang="en-US" dirty="0" err="1"/>
+              <a:t>Y_actual</a:t>
+            </a:r>
+            <a:endParaRPr lang="en-US" dirty="0"/>
+          </a:p>
+          <a:p>
+            <a:pPr lvl="1"/>
+            <a:endParaRPr lang="en-US" dirty="0"/>
+          </a:p>
+        </p:txBody>
+      </p:sp>
+      <p:pic>
+        <p:nvPicPr>
+          <p:cNvPr id="2050" name="Picture 2" descr="Residual Plots Unit #8 - Statistics. - ppt video online download">
+            <a:extLst>
+              <a:ext uri="{FF2B5EF4-FFF2-40B4-BE49-F238E27FC236}">
+                <a16:creationId xmlns:a16="http://schemas.microsoft.com/office/drawing/2014/main" id="{DC915E80-688C-ECF9-B4E3-140FCB08D755}"/>
+              </a:ext>
+            </a:extLst>
+          </p:cNvPr>
+          <p:cNvPicPr>
+            <a:picLocks noChangeAspect="1" noChangeArrowheads="1"/>
+          </p:cNvPicPr>
+          <p:nvPr/>
+        </p:nvPicPr>
+        <p:blipFill rotWithShape="1">
+          <a:blip r:embed="rId2">
+            <a:extLst>
+              <a:ext uri="{28A0092B-C50C-407E-A947-70E740481C1C}">
+                <a14:useLocalDpi xmlns:a14="http://schemas.microsoft.com/office/drawing/2010/main" val="0"/>
+              </a:ext>
+            </a:extLst>
+          </a:blip>
+          <a:srcRect b="7548"/>
+          <a:stretch/>
+        </p:blipFill>
+        <p:spPr bwMode="auto">
+          <a:xfrm>
+            <a:off x="4426684" y="1473620"/>
+            <a:ext cx="7765315" cy="5384380"/>
+          </a:xfrm>
+          <a:prstGeom prst="rect">
+            <a:avLst/>
+          </a:prstGeom>
+          <a:noFill/>
+          <a:extLst>
+            <a:ext uri="{909E8E84-426E-40DD-AFC4-6F175D3DCCD1}">
+              <a14:hiddenFill xmlns:a14="http://schemas.microsoft.com/office/drawing/2010/main">
+                <a:solidFill>
+                  <a:srgbClr val="FFFFFF"/>
+                </a:solidFill>
+              </a14:hiddenFill>
+            </a:ext>
+          </a:extLst>
+        </p:spPr>
+      </p:pic>
     </p:spTree>
     <p:extLst>
       <p:ext uri="{BB962C8B-B14F-4D97-AF65-F5344CB8AC3E}">
-        <p14:creationId xmlns:p14="http://schemas.microsoft.com/office/powerpoint/2010/main" val="76767667"/>
+        <p14:creationId xmlns:p14="http://schemas.microsoft.com/office/powerpoint/2010/main" val="1590843819"/>
       </p:ext>
     </p:extLst>
   </p:cSld>
